--- a/Exfiltration_TCP_SourcePort.pptx
+++ b/Exfiltration_TCP_SourcePort.pptx
@@ -5,7 +5,7 @@
     <p:sldMasterId id="2147484027" r:id="rId1"/>
   </p:sldMasterIdLst>
   <p:notesMasterIdLst>
-    <p:notesMasterId r:id="rId12"/>
+    <p:notesMasterId r:id="rId18"/>
   </p:notesMasterIdLst>
   <p:sldIdLst>
     <p:sldId id="473" r:id="rId2"/>
@@ -17,7 +17,13 @@
     <p:sldId id="322" r:id="rId8"/>
     <p:sldId id="294" r:id="rId9"/>
     <p:sldId id="475" r:id="rId10"/>
-    <p:sldId id="476" r:id="rId11"/>
+    <p:sldId id="485" r:id="rId11"/>
+    <p:sldId id="482" r:id="rId12"/>
+    <p:sldId id="476" r:id="rId13"/>
+    <p:sldId id="480" r:id="rId14"/>
+    <p:sldId id="478" r:id="rId15"/>
+    <p:sldId id="484" r:id="rId16"/>
+    <p:sldId id="487" r:id="rId17"/>
   </p:sldIdLst>
   <p:sldSz cx="12192000" cy="6858000"/>
   <p:notesSz cx="6858000" cy="9144000"/>
@@ -116,7 +122,24 @@
       </a:defRPr>
     </a:lvl9pPr>
   </p:defaultTextStyle>
+  <p:extLst>
+    <p:ext uri="{EFAFB233-063F-42B5-8137-9DF3F51BA10A}">
+      <p15:sldGuideLst xmlns:p15="http://schemas.microsoft.com/office/powerpoint/2012/main"/>
+    </p:ext>
+  </p:extLst>
 </p:presentation>
+</file>
+
+<file path=ppt/revisionInfo.xml><?xml version="1.0" encoding="utf-8"?>
+<p1510:revInfo xmlns:a="http://schemas.openxmlformats.org/drawingml/2006/main" xmlns:r="http://schemas.openxmlformats.org/officeDocument/2006/relationships" xmlns:p1510="http://schemas.microsoft.com/office/powerpoint/2015/10/main">
+  <p1510:revLst>
+    <p1510:client id="{127F909E-E634-4260-9F43-A21CCE036BDE}" v="273" dt="2021-04-05T19:25:47.149"/>
+    <p1510:client id="{30DDE13C-43FA-4996-A394-32E0DDA39F5D}" v="17" dt="2021-04-06T01:18:37.402"/>
+    <p1510:client id="{718DFC82-1A76-0440-EE29-C843B7698E69}" v="3" dt="2021-04-05T21:57:55.719"/>
+    <p1510:client id="{7DECBCB2-9D74-4A4B-A641-D1BCE127E7AA}" v="2" dt="2021-04-02T19:57:00.676"/>
+    <p1510:client id="{E6AAF1E7-B0AF-F450-2F21-42D83D52BBD0}" v="158" dt="2021-04-04T01:58:55.228"/>
+  </p1510:revLst>
+</p1510:revInfo>
 </file>
 
 <file path=ppt/notesMasters/notesMaster1.xml><?xml version="1.0" encoding="utf-8"?>
@@ -201,7 +224,7 @@
           <a:p>
             <a:fld id="{4B237F86-12DC-4DCB-BBE8-E16FEFD5C405}" type="datetimeFigureOut">
               <a:rPr lang="en-CA" smtClean="0"/>
-              <a:t>2021-04-01</a:t>
+              <a:t>2021-04-08</a:t>
             </a:fld>
             <a:endParaRPr lang="en-CA"/>
           </a:p>
@@ -1350,6 +1373,111 @@
         </p:txBody>
       </p:sp>
     </p:spTree>
+  </p:cSld>
+  <p:clrMapOvr>
+    <a:masterClrMapping/>
+  </p:clrMapOvr>
+</p:notes>
+</file>
+
+<file path=ppt/notesSlides/notesSlide5.xml><?xml version="1.0" encoding="utf-8"?>
+<p:notes xmlns:a="http://schemas.openxmlformats.org/drawingml/2006/main" xmlns:r="http://schemas.openxmlformats.org/officeDocument/2006/relationships" xmlns:p="http://schemas.openxmlformats.org/presentationml/2006/main">
+  <p:cSld>
+    <p:spTree>
+      <p:nvGrpSpPr>
+        <p:cNvPr id="1" name=""/>
+        <p:cNvGrpSpPr/>
+        <p:nvPr/>
+      </p:nvGrpSpPr>
+      <p:grpSpPr>
+        <a:xfrm>
+          <a:off x="0" y="0"/>
+          <a:ext cx="0" cy="0"/>
+          <a:chOff x="0" y="0"/>
+          <a:chExt cx="0" cy="0"/>
+        </a:xfrm>
+      </p:grpSpPr>
+      <p:sp>
+        <p:nvSpPr>
+          <p:cNvPr id="2" name="Slide Image Placeholder 1"/>
+          <p:cNvSpPr>
+            <a:spLocks noGrp="1" noRot="1" noChangeAspect="1"/>
+          </p:cNvSpPr>
+          <p:nvPr>
+            <p:ph type="sldImg"/>
+          </p:nvPr>
+        </p:nvSpPr>
+        <p:spPr/>
+      </p:sp>
+      <p:sp>
+        <p:nvSpPr>
+          <p:cNvPr id="3" name="Notes Placeholder 2"/>
+          <p:cNvSpPr>
+            <a:spLocks noGrp="1"/>
+          </p:cNvSpPr>
+          <p:nvPr>
+            <p:ph type="body" idx="1"/>
+          </p:nvPr>
+        </p:nvSpPr>
+        <p:spPr/>
+        <p:txBody>
+          <a:bodyPr/>
+          <a:lstStyle/>
+          <a:p>
+            <a:r>
+              <a:rPr lang="en-US">
+                <a:cs typeface="Calibri"/>
+              </a:rPr>
+              <a:t>Possible questions:</a:t>
+            </a:r>
+          </a:p>
+          <a:p>
+            <a:r>
+              <a:rPr lang="en-US">
+                <a:cs typeface="Calibri"/>
+              </a:rPr>
+              <a:t>1) Are there any ideas on how it would be possible to detect this type of exfiltration?</a:t>
+            </a:r>
+          </a:p>
+          <a:p>
+            <a:r>
+              <a:rPr lang="en-US">
+                <a:cs typeface="Calibri"/>
+              </a:rPr>
+              <a:t>2) </a:t>
+            </a:r>
+          </a:p>
+        </p:txBody>
+      </p:sp>
+      <p:sp>
+        <p:nvSpPr>
+          <p:cNvPr id="4" name="Slide Number Placeholder 3"/>
+          <p:cNvSpPr>
+            <a:spLocks noGrp="1"/>
+          </p:cNvSpPr>
+          <p:nvPr>
+            <p:ph type="sldNum" sz="quarter" idx="5"/>
+          </p:nvPr>
+        </p:nvSpPr>
+        <p:spPr/>
+        <p:txBody>
+          <a:bodyPr/>
+          <a:lstStyle/>
+          <a:p>
+            <a:fld id="{0AA592CF-BD32-4628-93DA-5274CE0F66A4}" type="slidenum">
+              <a:rPr lang="en-CA" smtClean="0"/>
+              <a:t>16</a:t>
+            </a:fld>
+            <a:endParaRPr lang="en-CA"/>
+          </a:p>
+        </p:txBody>
+      </p:sp>
+    </p:spTree>
+    <p:extLst>
+      <p:ext uri="{BB962C8B-B14F-4D97-AF65-F5344CB8AC3E}">
+        <p14:creationId xmlns:p14="http://schemas.microsoft.com/office/powerpoint/2010/main" val="2112617156"/>
+      </p:ext>
+    </p:extLst>
   </p:cSld>
   <p:clrMapOvr>
     <a:masterClrMapping/>
@@ -1719,7 +1847,6 @@
               <a:rPr lang="en-US"/>
               <a:t>Click to edit Master title style</a:t>
             </a:r>
-            <a:endParaRPr lang="en-US" dirty="0"/>
           </a:p>
         </p:txBody>
       </p:sp>
@@ -1838,7 +1965,6 @@
               <a:rPr lang="en-US"/>
               <a:t>Click to edit Master subtitle style</a:t>
             </a:r>
-            <a:endParaRPr lang="en-US" dirty="0"/>
           </a:p>
         </p:txBody>
       </p:sp>
@@ -1859,7 +1985,7 @@
           <a:p>
             <a:fld id="{89CFAFBB-8050-4160-91C3-6665751FC021}" type="datetimeFigureOut">
               <a:rPr lang="en-CA" smtClean="0"/>
-              <a:t>2021-04-01</a:t>
+              <a:t>2021-04-08</a:t>
             </a:fld>
             <a:endParaRPr lang="en-CA"/>
           </a:p>
@@ -1972,7 +2098,6 @@
               <a:rPr lang="en-US"/>
               <a:t>Click to edit Master title style</a:t>
             </a:r>
-            <a:endParaRPr lang="en-US" dirty="0"/>
           </a:p>
         </p:txBody>
       </p:sp>
@@ -2067,7 +2192,6 @@
               <a:rPr lang="en-US"/>
               <a:t>Click icon to add picture</a:t>
             </a:r>
-            <a:endParaRPr lang="en-US" dirty="0"/>
           </a:p>
         </p:txBody>
       </p:sp>
@@ -2155,7 +2279,7 @@
           <a:p>
             <a:fld id="{89CFAFBB-8050-4160-91C3-6665751FC021}" type="datetimeFigureOut">
               <a:rPr lang="en-CA" smtClean="0"/>
-              <a:t>2021-04-01</a:t>
+              <a:t>2021-04-08</a:t>
             </a:fld>
             <a:endParaRPr lang="en-CA"/>
           </a:p>
@@ -2263,7 +2387,6 @@
               <a:rPr lang="en-US"/>
               <a:t>Click to edit Master title style</a:t>
             </a:r>
-            <a:endParaRPr lang="en-US" dirty="0"/>
           </a:p>
         </p:txBody>
       </p:sp>
@@ -2403,7 +2526,7 @@
           <a:p>
             <a:fld id="{89CFAFBB-8050-4160-91C3-6665751FC021}" type="datetimeFigureOut">
               <a:rPr lang="en-CA" smtClean="0"/>
-              <a:t>2021-04-01</a:t>
+              <a:t>2021-04-08</a:t>
             </a:fld>
             <a:endParaRPr lang="en-CA"/>
           </a:p>
@@ -2586,7 +2709,7 @@
           <a:p>
             <a:pPr lvl="0"/>
             <a:r>
-              <a:rPr lang="en-US" sz="8000" dirty="0">
+              <a:rPr lang="en-US" sz="8000">
                 <a:solidFill>
                   <a:schemeClr val="tx1"/>
                 </a:solidFill>
@@ -2702,7 +2825,7 @@
           <a:p>
             <a:pPr lvl="0" algn="r"/>
             <a:r>
-              <a:rPr lang="en-US" sz="8000" dirty="0">
+              <a:rPr lang="en-US" sz="8000">
                 <a:solidFill>
                   <a:schemeClr val="tx1"/>
                 </a:solidFill>
@@ -2747,7 +2870,6 @@
               <a:rPr lang="en-US"/>
               <a:t>Click to edit Master title style</a:t>
             </a:r>
-            <a:endParaRPr lang="en-US" dirty="0"/>
           </a:p>
         </p:txBody>
       </p:sp>
@@ -2943,7 +3065,7 @@
           <a:p>
             <a:fld id="{89CFAFBB-8050-4160-91C3-6665751FC021}" type="datetimeFigureOut">
               <a:rPr lang="en-CA" smtClean="0"/>
-              <a:t>2021-04-01</a:t>
+              <a:t>2021-04-08</a:t>
             </a:fld>
             <a:endParaRPr lang="en-CA"/>
           </a:p>
@@ -3051,7 +3173,6 @@
               <a:rPr lang="en-US"/>
               <a:t>Click to edit Master title style</a:t>
             </a:r>
-            <a:endParaRPr lang="en-US" dirty="0"/>
           </a:p>
         </p:txBody>
       </p:sp>
@@ -3191,7 +3312,7 @@
           <a:p>
             <a:fld id="{89CFAFBB-8050-4160-91C3-6665751FC021}" type="datetimeFigureOut">
               <a:rPr lang="en-CA" smtClean="0"/>
-              <a:t>2021-04-01</a:t>
+              <a:t>2021-04-08</a:t>
             </a:fld>
             <a:endParaRPr lang="en-CA"/>
           </a:p>
@@ -3374,7 +3495,7 @@
           <a:p>
             <a:pPr lvl="0"/>
             <a:r>
-              <a:rPr lang="en-US" sz="8000" dirty="0">
+              <a:rPr lang="en-US" sz="8000">
                 <a:solidFill>
                   <a:schemeClr val="tx1"/>
                 </a:solidFill>
@@ -3490,7 +3611,7 @@
           <a:p>
             <a:pPr lvl="0" algn="r"/>
             <a:r>
-              <a:rPr lang="en-US" sz="8000" dirty="0">
+              <a:rPr lang="en-US" sz="8000">
                 <a:solidFill>
                   <a:schemeClr val="tx1"/>
                 </a:solidFill>
@@ -3535,7 +3656,6 @@
               <a:rPr lang="en-US"/>
               <a:t>Click to edit Master title style</a:t>
             </a:r>
-            <a:endParaRPr lang="en-US" dirty="0"/>
           </a:p>
         </p:txBody>
       </p:sp>
@@ -3723,7 +3843,7 @@
           <a:p>
             <a:fld id="{89CFAFBB-8050-4160-91C3-6665751FC021}" type="datetimeFigureOut">
               <a:rPr lang="en-CA" smtClean="0"/>
-              <a:t>2021-04-01</a:t>
+              <a:t>2021-04-08</a:t>
             </a:fld>
             <a:endParaRPr lang="en-CA"/>
           </a:p>
@@ -3832,7 +3952,6 @@
               <a:rPr lang="en-US"/>
               <a:t>Click to edit Master title style</a:t>
             </a:r>
-            <a:endParaRPr lang="en-US" dirty="0"/>
           </a:p>
         </p:txBody>
       </p:sp>
@@ -4020,7 +4139,7 @@
           <a:p>
             <a:fld id="{89CFAFBB-8050-4160-91C3-6665751FC021}" type="datetimeFigureOut">
               <a:rPr lang="en-CA" smtClean="0"/>
-              <a:t>2021-04-01</a:t>
+              <a:t>2021-04-08</a:t>
             </a:fld>
             <a:endParaRPr lang="en-CA"/>
           </a:p>
@@ -4121,7 +4240,6 @@
               <a:rPr lang="en-US"/>
               <a:t>Click to edit Master title style</a:t>
             </a:r>
-            <a:endParaRPr lang="en-US" dirty="0"/>
           </a:p>
         </p:txBody>
       </p:sp>
@@ -4173,7 +4291,6 @@
               <a:rPr lang="en-US"/>
               <a:t>Fifth level</a:t>
             </a:r>
-            <a:endParaRPr lang="en-US" dirty="0"/>
           </a:p>
         </p:txBody>
       </p:sp>
@@ -4194,7 +4311,7 @@
           <a:p>
             <a:fld id="{89CFAFBB-8050-4160-91C3-6665751FC021}" type="datetimeFigureOut">
               <a:rPr lang="en-CA" smtClean="0"/>
-              <a:t>2021-04-01</a:t>
+              <a:t>2021-04-08</a:t>
             </a:fld>
             <a:endParaRPr lang="en-CA"/>
           </a:p>
@@ -4296,7 +4413,6 @@
               <a:rPr lang="en-US"/>
               <a:t>Click to edit Master title style</a:t>
             </a:r>
-            <a:endParaRPr lang="en-US" dirty="0"/>
           </a:p>
         </p:txBody>
       </p:sp>
@@ -4353,7 +4469,6 @@
               <a:rPr lang="en-US"/>
               <a:t>Fifth level</a:t>
             </a:r>
-            <a:endParaRPr lang="en-US" dirty="0"/>
           </a:p>
         </p:txBody>
       </p:sp>
@@ -4374,7 +4489,7 @@
           <a:p>
             <a:fld id="{89CFAFBB-8050-4160-91C3-6665751FC021}" type="datetimeFigureOut">
               <a:rPr lang="en-CA" smtClean="0"/>
-              <a:t>2021-04-01</a:t>
+              <a:t>2021-04-08</a:t>
             </a:fld>
             <a:endParaRPr lang="en-CA"/>
           </a:p>
@@ -4471,7 +4586,6 @@
               <a:rPr lang="en-US"/>
               <a:t>Click to edit Master title style</a:t>
             </a:r>
-            <a:endParaRPr lang="en-US" dirty="0"/>
           </a:p>
         </p:txBody>
       </p:sp>
@@ -4523,7 +4637,6 @@
               <a:rPr lang="en-US"/>
               <a:t>Fifth level</a:t>
             </a:r>
-            <a:endParaRPr lang="en-US" dirty="0"/>
           </a:p>
         </p:txBody>
       </p:sp>
@@ -4544,7 +4657,7 @@
           <a:p>
             <a:fld id="{89CFAFBB-8050-4160-91C3-6665751FC021}" type="datetimeFigureOut">
               <a:rPr lang="en-CA" smtClean="0"/>
-              <a:t>2021-04-01</a:t>
+              <a:t>2021-04-08</a:t>
             </a:fld>
             <a:endParaRPr lang="en-CA"/>
           </a:p>
@@ -4655,7 +4768,6 @@
               <a:rPr lang="en-US"/>
               <a:t>Click to edit Master title style</a:t>
             </a:r>
-            <a:endParaRPr lang="en-US" dirty="0"/>
           </a:p>
         </p:txBody>
       </p:sp>
@@ -4795,7 +4907,7 @@
           <a:p>
             <a:fld id="{89CFAFBB-8050-4160-91C3-6665751FC021}" type="datetimeFigureOut">
               <a:rPr lang="en-CA" smtClean="0"/>
-              <a:t>2021-04-01</a:t>
+              <a:t>2021-04-08</a:t>
             </a:fld>
             <a:endParaRPr lang="en-CA"/>
           </a:p>
@@ -4897,7 +5009,6 @@
               <a:rPr lang="en-US"/>
               <a:t>Click to edit Master title style</a:t>
             </a:r>
-            <a:endParaRPr lang="en-US" dirty="0"/>
           </a:p>
         </p:txBody>
       </p:sp>
@@ -4984,7 +5095,6 @@
               <a:rPr lang="en-US"/>
               <a:t>Fifth level</a:t>
             </a:r>
-            <a:endParaRPr lang="en-US" dirty="0"/>
           </a:p>
         </p:txBody>
       </p:sp>
@@ -5071,7 +5181,6 @@
               <a:rPr lang="en-US"/>
               <a:t>Fifth level</a:t>
             </a:r>
-            <a:endParaRPr lang="en-US" dirty="0"/>
           </a:p>
         </p:txBody>
       </p:sp>
@@ -5092,7 +5201,7 @@
           <a:p>
             <a:fld id="{89CFAFBB-8050-4160-91C3-6665751FC021}" type="datetimeFigureOut">
               <a:rPr lang="en-CA" smtClean="0"/>
-              <a:t>2021-04-01</a:t>
+              <a:t>2021-04-08</a:t>
             </a:fld>
             <a:endParaRPr lang="en-CA"/>
           </a:p>
@@ -5193,7 +5302,6 @@
               <a:rPr lang="en-US"/>
               <a:t>Click to edit Master title style</a:t>
             </a:r>
-            <a:endParaRPr lang="en-US" dirty="0"/>
           </a:p>
         </p:txBody>
       </p:sp>
@@ -5353,7 +5461,6 @@
               <a:rPr lang="en-US"/>
               <a:t>Fifth level</a:t>
             </a:r>
-            <a:endParaRPr lang="en-US" dirty="0"/>
           </a:p>
         </p:txBody>
       </p:sp>
@@ -5513,7 +5620,6 @@
               <a:rPr lang="en-US"/>
               <a:t>Fifth level</a:t>
             </a:r>
-            <a:endParaRPr lang="en-US" dirty="0"/>
           </a:p>
         </p:txBody>
       </p:sp>
@@ -5534,7 +5640,7 @@
           <a:p>
             <a:fld id="{89CFAFBB-8050-4160-91C3-6665751FC021}" type="datetimeFigureOut">
               <a:rPr lang="en-CA" smtClean="0"/>
-              <a:t>2021-04-01</a:t>
+              <a:t>2021-04-08</a:t>
             </a:fld>
             <a:endParaRPr lang="en-CA"/>
           </a:p>
@@ -5631,7 +5737,6 @@
               <a:rPr lang="en-US"/>
               <a:t>Click to edit Master title style</a:t>
             </a:r>
-            <a:endParaRPr lang="en-US" dirty="0"/>
           </a:p>
         </p:txBody>
       </p:sp>
@@ -5652,7 +5757,7 @@
           <a:p>
             <a:fld id="{89CFAFBB-8050-4160-91C3-6665751FC021}" type="datetimeFigureOut">
               <a:rPr lang="en-CA" smtClean="0"/>
-              <a:t>2021-04-01</a:t>
+              <a:t>2021-04-08</a:t>
             </a:fld>
             <a:endParaRPr lang="en-CA"/>
           </a:p>
@@ -5747,7 +5852,7 @@
           <a:p>
             <a:fld id="{89CFAFBB-8050-4160-91C3-6665751FC021}" type="datetimeFigureOut">
               <a:rPr lang="en-CA" smtClean="0"/>
-              <a:t>2021-04-01</a:t>
+              <a:t>2021-04-08</a:t>
             </a:fld>
             <a:endParaRPr lang="en-CA"/>
           </a:p>
@@ -5855,7 +5960,6 @@
               <a:rPr lang="en-US"/>
               <a:t>Click to edit Master title style</a:t>
             </a:r>
-            <a:endParaRPr lang="en-US" dirty="0"/>
           </a:p>
         </p:txBody>
       </p:sp>
@@ -5942,7 +6046,6 @@
               <a:rPr lang="en-US"/>
               <a:t>Fifth level</a:t>
             </a:r>
-            <a:endParaRPr lang="en-US" dirty="0"/>
           </a:p>
         </p:txBody>
       </p:sp>
@@ -6030,7 +6133,7 @@
           <a:p>
             <a:fld id="{89CFAFBB-8050-4160-91C3-6665751FC021}" type="datetimeFigureOut">
               <a:rPr lang="en-CA" smtClean="0"/>
-              <a:t>2021-04-01</a:t>
+              <a:t>2021-04-08</a:t>
             </a:fld>
             <a:endParaRPr lang="en-CA"/>
           </a:p>
@@ -6138,7 +6241,6 @@
               <a:rPr lang="en-US"/>
               <a:t>Click to edit Master title style</a:t>
             </a:r>
-            <a:endParaRPr lang="en-US" dirty="0"/>
           </a:p>
         </p:txBody>
       </p:sp>
@@ -6233,7 +6335,6 @@
               <a:rPr lang="en-US"/>
               <a:t>Click icon to add picture</a:t>
             </a:r>
-            <a:endParaRPr lang="en-US" dirty="0"/>
           </a:p>
         </p:txBody>
       </p:sp>
@@ -6321,7 +6422,7 @@
           <a:p>
             <a:fld id="{89CFAFBB-8050-4160-91C3-6665751FC021}" type="datetimeFigureOut">
               <a:rPr lang="en-CA" smtClean="0"/>
-              <a:t>2021-04-01</a:t>
+              <a:t>2021-04-08</a:t>
             </a:fld>
             <a:endParaRPr lang="en-CA"/>
           </a:p>
@@ -6750,7 +6851,6 @@
               <a:rPr lang="en-US"/>
               <a:t>Click to edit Master title style</a:t>
             </a:r>
-            <a:endParaRPr lang="en-US" dirty="0"/>
           </a:p>
         </p:txBody>
       </p:sp>
@@ -6812,7 +6912,6 @@
               <a:rPr lang="en-US"/>
               <a:t>Fifth level</a:t>
             </a:r>
-            <a:endParaRPr lang="en-US" dirty="0"/>
           </a:p>
         </p:txBody>
       </p:sp>
@@ -6851,7 +6950,7 @@
           <a:p>
             <a:fld id="{89CFAFBB-8050-4160-91C3-6665751FC021}" type="datetimeFigureOut">
               <a:rPr lang="en-CA" smtClean="0"/>
-              <a:t>2021-04-01</a:t>
+              <a:t>2021-04-08</a:t>
             </a:fld>
             <a:endParaRPr lang="en-CA"/>
           </a:p>
@@ -7407,25 +7506,25 @@
           <a:p>
             <a:pPr algn="ctr"/>
             <a:br>
-              <a:rPr lang="en-CA" dirty="0"/>
+              <a:rPr lang="en-CA"/>
             </a:br>
             <a:r>
-              <a:rPr lang="en-CA" dirty="0"/>
+              <a:rPr lang="en-CA"/>
               <a:t> CIS-6520 Dig Forensics &amp; Incident Response</a:t>
             </a:r>
             <a:br>
-              <a:rPr lang="en-CA" dirty="0"/>
+              <a:rPr lang="en-CA"/>
             </a:br>
             <a:r>
-              <a:rPr lang="en-US" dirty="0"/>
+              <a:rPr lang="en-US"/>
               <a:t>School of Computer Science (SOCS)</a:t>
             </a:r>
             <a:r>
-              <a:rPr lang="en-CA" dirty="0"/>
+              <a:rPr lang="en-CA"/>
               <a:t> </a:t>
             </a:r>
             <a:r>
-              <a:rPr lang="en-CA" b="1" dirty="0">
+              <a:rPr lang="en-CA" b="1">
                 <a:solidFill>
                   <a:srgbClr val="990000"/>
                 </a:solidFill>
@@ -7433,13 +7532,13 @@
               <a:t> </a:t>
             </a:r>
             <a:br>
-              <a:rPr lang="en-CA" b="1" dirty="0">
+              <a:rPr lang="en-CA" b="1">
                 <a:solidFill>
                   <a:srgbClr val="990000"/>
                 </a:solidFill>
               </a:rPr>
             </a:br>
-            <a:endParaRPr lang="en-CA" b="1" dirty="0">
+            <a:endParaRPr lang="en-CA" b="1">
               <a:solidFill>
                 <a:srgbClr val="990000"/>
               </a:solidFill>
@@ -7478,8 +7577,8 @@
         </p:blipFill>
         <p:spPr bwMode="auto">
           <a:xfrm>
-            <a:off x="273844" y="82549"/>
-            <a:ext cx="11918156" cy="7945437"/>
+            <a:off x="-476" y="-2795"/>
+            <a:ext cx="12192476" cy="8128317"/>
           </a:xfrm>
           <a:prstGeom prst="rect">
             <a:avLst/>
@@ -7525,14 +7624,14 @@
           <a:p>
             <a:pPr algn="ctr"/>
             <a:r>
-              <a:rPr lang="en-CA" sz="4000" b="1" dirty="0">
+              <a:rPr lang="en-CA" sz="4000" b="1">
                 <a:solidFill>
                   <a:srgbClr val="990000"/>
                 </a:solidFill>
               </a:rPr>
               <a:t>Data Exfiltration Using TCP Source Port </a:t>
             </a:r>
-            <a:endParaRPr lang="en-CA" sz="4000" dirty="0"/>
+            <a:endParaRPr lang="en-CA" sz="4000"/>
           </a:p>
         </p:txBody>
       </p:sp>
@@ -7564,19 +7663,19 @@
           <a:lstStyle/>
           <a:p>
             <a:r>
-              <a:rPr lang="en-CA" dirty="0"/>
+              <a:rPr lang="en-CA"/>
               <a:t> </a:t>
             </a:r>
             <a:r>
-              <a:rPr lang="en-CA" b="1" dirty="0"/>
+              <a:rPr lang="en-CA" b="1"/>
               <a:t>By Giacomo </a:t>
             </a:r>
             <a:r>
-              <a:rPr lang="en-CA" b="1" dirty="0" err="1"/>
+              <a:rPr lang="en-CA" b="1" err="1"/>
               <a:t>Nunno</a:t>
             </a:r>
             <a:r>
-              <a:rPr lang="en-CA" b="1" dirty="0"/>
+              <a:rPr lang="en-CA" b="1"/>
               <a:t>  &amp; Khaled Nafea</a:t>
             </a:r>
           </a:p>
@@ -7610,15 +7709,15 @@
           <a:lstStyle/>
           <a:p>
             <a:r>
-              <a:rPr lang="en-CA" b="1" dirty="0"/>
+              <a:rPr lang="en-CA" b="1"/>
               <a:t> Under the supervision of  Dr. </a:t>
             </a:r>
             <a:r>
-              <a:rPr lang="en-CA" b="1" dirty="0" err="1"/>
+              <a:rPr lang="en-CA" b="1" err="1"/>
               <a:t>Xiaodong</a:t>
             </a:r>
             <a:r>
-              <a:rPr lang="en-CA" b="1" dirty="0"/>
+              <a:rPr lang="en-CA" b="1"/>
               <a:t> Lin </a:t>
             </a:r>
           </a:p>
@@ -7702,99 +7801,157 @@
         </p:nvSpPr>
         <p:spPr>
           <a:xfrm>
-            <a:off x="1577666" y="1962149"/>
-            <a:ext cx="9374190" cy="3781426"/>
+            <a:off x="1484310" y="1442307"/>
+            <a:ext cx="10018713" cy="5317597"/>
           </a:xfrm>
         </p:spPr>
         <p:txBody>
           <a:bodyPr>
-            <a:normAutofit lnSpcReduction="10000"/>
+            <a:normAutofit/>
           </a:bodyPr>
           <a:lstStyle/>
           <a:p>
+            <a:pPr marL="457200" indent="-457200">
+              <a:buFont typeface="+mj-lt"/>
+              <a:buAutoNum type="arabicPeriod"/>
+            </a:pPr>
+            <a:r>
+              <a:rPr lang="en-CA" dirty="0" err="1"/>
+              <a:t>sfPortscan</a:t>
+            </a:r>
             <a:r>
               <a:rPr lang="en-CA" dirty="0"/>
-              <a:t>SNORT: </a:t>
+              <a:t> preprocessor: developed by </a:t>
+            </a:r>
+            <a:r>
+              <a:rPr lang="en-CA" dirty="0" err="1"/>
+              <a:t>sourcefire</a:t>
+            </a:r>
+            <a:r>
+              <a:rPr lang="en-CA" dirty="0"/>
+              <a:t> to detect many </a:t>
+            </a:r>
+            <a:r>
+              <a:rPr lang="en-CA" dirty="0" err="1"/>
+              <a:t>portscanningtypes</a:t>
+            </a:r>
+            <a:r>
+              <a:rPr lang="en-CA" dirty="0"/>
+              <a:t> :</a:t>
+            </a:r>
+          </a:p>
+          <a:p>
+            <a:pPr lvl="1"/>
+            <a:r>
+              <a:rPr lang="en-CA" dirty="0"/>
+              <a:t>TCP, UDP, IP </a:t>
+            </a:r>
+            <a:r>
+              <a:rPr lang="en-CA" dirty="0" err="1"/>
+              <a:t>port_scanning</a:t>
+            </a:r>
+            <a:endParaRPr lang="en-CA" dirty="0"/>
+          </a:p>
+          <a:p>
+            <a:pPr lvl="1"/>
+            <a:r>
+              <a:rPr lang="en-CA" dirty="0" err="1"/>
+              <a:t>Portscan</a:t>
+            </a:r>
+            <a:r>
+              <a:rPr lang="en-CA" dirty="0"/>
+              <a:t> (One-&gt;One), Distributed </a:t>
+            </a:r>
+            <a:r>
+              <a:rPr lang="en-CA" dirty="0" err="1"/>
+              <a:t>Portscan</a:t>
+            </a:r>
+            <a:r>
+              <a:rPr lang="en-CA" dirty="0"/>
+              <a:t> (Many-&gt;One), Decoy (spoofed source address)</a:t>
+            </a:r>
+          </a:p>
+          <a:p>
+            <a:pPr lvl="1"/>
+            <a:r>
+              <a:rPr lang="en-CA" dirty="0" err="1"/>
+              <a:t>Portsweep</a:t>
+            </a:r>
+            <a:r>
+              <a:rPr lang="en-CA" dirty="0"/>
+              <a:t> (One-&gt;Many)</a:t>
+            </a:r>
+          </a:p>
+          <a:p>
+            <a:pPr marL="457200" indent="-457200">
+              <a:buFont typeface="+mj-lt"/>
+              <a:buAutoNum type="arabicPeriod"/>
+            </a:pPr>
+            <a:r>
+              <a:rPr lang="en-CA" dirty="0"/>
+              <a:t>Stream5 preprocessor: is a target-based TCP reassembly module, </a:t>
             </a:r>
             <a:r>
               <a:rPr lang="en-US" dirty="0"/>
-              <a:t>The </a:t>
+              <a:t>capable of tracking sessions for both TCP and UDP</a:t>
             </a:r>
-            <a:r>
-              <a:rPr lang="en-US" dirty="0" err="1"/>
-              <a:t>portscan</a:t>
-            </a:r>
-            <a:r>
-              <a:rPr lang="en-US" dirty="0"/>
-              <a:t> preprocessor is designed to detect port scanning activities</a:t>
-            </a:r>
+            <a:endParaRPr lang="en-CA" dirty="0"/>
           </a:p>
           <a:p>
             <a:pPr lvl="1"/>
             <a:r>
               <a:rPr lang="en-CA" dirty="0"/>
-              <a:t>Preprocessor </a:t>
+              <a:t>Maps to OS policy (</a:t>
             </a:r>
             <a:r>
               <a:rPr lang="en-CA" dirty="0" err="1"/>
-              <a:t>portscan</a:t>
+              <a:t>linux</a:t>
             </a:r>
             <a:r>
               <a:rPr lang="en-CA" dirty="0"/>
-              <a:t>: &lt;address&gt; &lt;ports&gt; &lt;time period&gt; &lt;file&gt; *</a:t>
+              <a:t>, windows)</a:t>
             </a:r>
           </a:p>
           <a:p>
-            <a:pPr lvl="2"/>
+            <a:pPr lvl="1"/>
             <a:r>
               <a:rPr lang="en-CA" dirty="0"/>
-              <a:t>Address: 	the range of Ips to monitor =&gt; </a:t>
+              <a:t>TCP protocol anomalies</a:t>
             </a:r>
+          </a:p>
+          <a:p>
+            <a:pPr marL="457200" indent="-457200">
+              <a:buFont typeface="+mj-lt"/>
+              <a:buAutoNum type="arabicPeriod"/>
+            </a:pPr>
             <a:r>
-              <a:rPr lang="en-CA" b="1" dirty="0"/>
-              <a:t>ANY</a:t>
-            </a:r>
-          </a:p>
-          <a:p>
-            <a:pPr lvl="2"/>
-            <a:r>
-              <a:rPr lang="en-CA" dirty="0"/>
-              <a:t>Ports:		Number of ports accessed within the period &lt;time period&gt; =&gt; (</a:t>
-            </a:r>
-            <a:r>
-              <a:rPr lang="en-CA" b="1" dirty="0"/>
-              <a:t>1 port</a:t>
+              <a:rPr lang="en-CA" dirty="0" err="1"/>
+              <a:t>Detection_filter</a:t>
             </a:r>
             <a:r>
               <a:rPr lang="en-CA" dirty="0"/>
-              <a:t>) !!</a:t>
+              <a:t>:</a:t>
             </a:r>
           </a:p>
           <a:p>
-            <a:pPr lvl="2"/>
+            <a:pPr lvl="1"/>
             <a:r>
               <a:rPr lang="en-CA" dirty="0"/>
-              <a:t>Time:		the period during which the process will count the number of access tries 			=&gt; (</a:t>
+              <a:t>Track </a:t>
             </a:r>
             <a:r>
-              <a:rPr lang="en-CA" b="1" dirty="0"/>
-              <a:t>6 min</a:t>
+              <a:rPr lang="en-CA" dirty="0" err="1"/>
+              <a:t>by_src</a:t>
             </a:r>
             <a:r>
               <a:rPr lang="en-CA" dirty="0"/>
-              <a:t>)</a:t>
-            </a:r>
-          </a:p>
-          <a:p>
-            <a:pPr lvl="2"/>
-            <a:r>
-              <a:rPr lang="en-CA" dirty="0"/>
-              <a:t>File: 		the path where the activity </a:t>
+              <a:t>, count 30, seconds 60, flow: </a:t>
             </a:r>
             <a:r>
-              <a:rPr lang="en-CA" b="1" u="sng" dirty="0"/>
-              <a:t>should be logged</a:t>
+              <a:rPr lang="en-CA" dirty="0" err="1"/>
+              <a:t>to_server</a:t>
             </a:r>
+            <a:endParaRPr lang="en-CA" dirty="0"/>
           </a:p>
           <a:p>
             <a:pPr marL="457200" lvl="1" indent="0">
@@ -7803,17 +7960,8 @@
             <a:endParaRPr lang="en-CA" dirty="0"/>
           </a:p>
           <a:p>
-            <a:pPr marL="457200" lvl="1" indent="0">
-              <a:buNone/>
-            </a:pPr>
-            <a:r>
-              <a:rPr lang="en-CA" sz="1300"/>
-              <a:t>* https</a:t>
-            </a:r>
-            <a:r>
-              <a:rPr lang="en-CA" sz="1300" dirty="0"/>
-              <a:t>://resources.infosecinstitute.com/topic/snort-rule-writing-for-the-it-professional-part-3/</a:t>
-            </a:r>
+            <a:pPr lvl="1"/>
+            <a:endParaRPr lang="en-CA" dirty="0"/>
           </a:p>
         </p:txBody>
       </p:sp>
@@ -7831,8 +7979,8 @@
         </p:nvSpPr>
         <p:spPr>
           <a:xfrm>
-            <a:off x="3840111" y="331858"/>
-            <a:ext cx="5951589" cy="707886"/>
+            <a:off x="2253007" y="331858"/>
+            <a:ext cx="7538694" cy="707886"/>
           </a:xfrm>
           <a:prstGeom prst="rect">
             <a:avLst/>
@@ -7851,7 +7999,7 @@
                   <a:srgbClr val="990000"/>
                 </a:solidFill>
               </a:rPr>
-              <a:t>Port Scanning Detection</a:t>
+              <a:t>SNORT advanced Configuration</a:t>
             </a:r>
           </a:p>
         </p:txBody>
@@ -7859,7 +8007,1432 @@
     </p:spTree>
     <p:extLst>
       <p:ext uri="{BB962C8B-B14F-4D97-AF65-F5344CB8AC3E}">
-        <p14:creationId xmlns:p14="http://schemas.microsoft.com/office/powerpoint/2010/main" val="198680301"/>
+        <p14:creationId xmlns:p14="http://schemas.microsoft.com/office/powerpoint/2010/main" val="1295027773"/>
+      </p:ext>
+    </p:extLst>
+  </p:cSld>
+  <p:clrMapOvr>
+    <a:masterClrMapping/>
+  </p:clrMapOvr>
+</p:sld>
+</file>
+
+<file path=ppt/slides/slide11.xml><?xml version="1.0" encoding="utf-8"?>
+<p:sld xmlns:a="http://schemas.openxmlformats.org/drawingml/2006/main" xmlns:r="http://schemas.openxmlformats.org/officeDocument/2006/relationships" xmlns:p="http://schemas.openxmlformats.org/presentationml/2006/main">
+  <p:cSld>
+    <p:spTree>
+      <p:nvGrpSpPr>
+        <p:cNvPr id="1" name=""/>
+        <p:cNvGrpSpPr/>
+        <p:nvPr/>
+      </p:nvGrpSpPr>
+      <p:grpSpPr>
+        <a:xfrm>
+          <a:off x="0" y="0"/>
+          <a:ext cx="0" cy="0"/>
+          <a:chOff x="0" y="0"/>
+          <a:chExt cx="0" cy="0"/>
+        </a:xfrm>
+      </p:grpSpPr>
+      <p:sp>
+        <p:nvSpPr>
+          <p:cNvPr id="3" name="Slide Number Placeholder 2">
+            <a:extLst>
+              <a:ext uri="{FF2B5EF4-FFF2-40B4-BE49-F238E27FC236}">
+                <a16:creationId xmlns:a16="http://schemas.microsoft.com/office/drawing/2014/main" id="{5CB7DB1F-0185-4A27-8F6C-18616061EB32}"/>
+              </a:ext>
+            </a:extLst>
+          </p:cNvPr>
+          <p:cNvSpPr>
+            <a:spLocks noGrp="1"/>
+          </p:cNvSpPr>
+          <p:nvPr>
+            <p:ph type="sldNum" sz="quarter" idx="12"/>
+          </p:nvPr>
+        </p:nvSpPr>
+        <p:spPr/>
+        <p:txBody>
+          <a:bodyPr/>
+          <a:lstStyle/>
+          <a:p>
+            <a:fld id="{9F8B9B78-F2E7-4204-AA86-8E2325C6B924}" type="slidenum">
+              <a:rPr lang="en-US" altLang="en-US"/>
+              <a:pPr/>
+              <a:t>11</a:t>
+            </a:fld>
+            <a:endParaRPr lang="en-US" altLang="en-US"/>
+          </a:p>
+        </p:txBody>
+      </p:sp>
+      <p:sp>
+        <p:nvSpPr>
+          <p:cNvPr id="6" name="TextBox 5">
+            <a:extLst>
+              <a:ext uri="{FF2B5EF4-FFF2-40B4-BE49-F238E27FC236}">
+                <a16:creationId xmlns:a16="http://schemas.microsoft.com/office/drawing/2014/main" id="{5837E065-8C65-412B-AE11-38B807C66D32}"/>
+              </a:ext>
+            </a:extLst>
+          </p:cNvPr>
+          <p:cNvSpPr txBox="1"/>
+          <p:nvPr/>
+        </p:nvSpPr>
+        <p:spPr>
+          <a:xfrm>
+            <a:off x="3120784" y="398619"/>
+            <a:ext cx="5951589" cy="707886"/>
+          </a:xfrm>
+          <a:prstGeom prst="rect">
+            <a:avLst/>
+          </a:prstGeom>
+          <a:noFill/>
+        </p:spPr>
+        <p:txBody>
+          <a:bodyPr wrap="square" lIns="91440" tIns="45720" rIns="91440" bIns="45720" rtlCol="0" anchor="t">
+            <a:spAutoFit/>
+          </a:bodyPr>
+          <a:lstStyle/>
+          <a:p>
+            <a:pPr algn="ctr"/>
+            <a:r>
+              <a:rPr lang="en-CA" sz="4000" b="1">
+                <a:solidFill>
+                  <a:srgbClr val="990000"/>
+                </a:solidFill>
+              </a:rPr>
+              <a:t>Dataflow Diagram</a:t>
+            </a:r>
+            <a:endParaRPr lang="en-US"/>
+          </a:p>
+        </p:txBody>
+      </p:sp>
+      <p:pic>
+        <p:nvPicPr>
+          <p:cNvPr id="2" name="Picture 3" descr="Diagram&#10;&#10;Description automatically generated">
+            <a:extLst>
+              <a:ext uri="{FF2B5EF4-FFF2-40B4-BE49-F238E27FC236}">
+                <a16:creationId xmlns:a16="http://schemas.microsoft.com/office/drawing/2014/main" id="{8F19A6E6-3CB3-4F76-BB14-7AC93A30E3BE}"/>
+              </a:ext>
+            </a:extLst>
+          </p:cNvPr>
+          <p:cNvPicPr>
+            <a:picLocks noChangeAspect="1"/>
+          </p:cNvPicPr>
+          <p:nvPr/>
+        </p:nvPicPr>
+        <p:blipFill>
+          <a:blip r:embed="rId2"/>
+          <a:stretch>
+            <a:fillRect/>
+          </a:stretch>
+        </p:blipFill>
+        <p:spPr>
+          <a:xfrm>
+            <a:off x="2840966" y="1413857"/>
+            <a:ext cx="6524445" cy="4907305"/>
+          </a:xfrm>
+          <a:prstGeom prst="rect">
+            <a:avLst/>
+          </a:prstGeom>
+        </p:spPr>
+      </p:pic>
+    </p:spTree>
+    <p:extLst>
+      <p:ext uri="{BB962C8B-B14F-4D97-AF65-F5344CB8AC3E}">
+        <p14:creationId xmlns:p14="http://schemas.microsoft.com/office/powerpoint/2010/main" val="3179854916"/>
+      </p:ext>
+    </p:extLst>
+  </p:cSld>
+  <p:clrMapOvr>
+    <a:masterClrMapping/>
+  </p:clrMapOvr>
+</p:sld>
+</file>
+
+<file path=ppt/slides/slide12.xml><?xml version="1.0" encoding="utf-8"?>
+<p:sld xmlns:a="http://schemas.openxmlformats.org/drawingml/2006/main" xmlns:r="http://schemas.openxmlformats.org/officeDocument/2006/relationships" xmlns:p="http://schemas.openxmlformats.org/presentationml/2006/main">
+  <p:cSld>
+    <p:spTree>
+      <p:nvGrpSpPr>
+        <p:cNvPr id="1" name=""/>
+        <p:cNvGrpSpPr/>
+        <p:nvPr/>
+      </p:nvGrpSpPr>
+      <p:grpSpPr>
+        <a:xfrm>
+          <a:off x="0" y="0"/>
+          <a:ext cx="0" cy="0"/>
+          <a:chOff x="0" y="0"/>
+          <a:chExt cx="0" cy="0"/>
+        </a:xfrm>
+      </p:grpSpPr>
+      <p:sp>
+        <p:nvSpPr>
+          <p:cNvPr id="3" name="Slide Number Placeholder 2">
+            <a:extLst>
+              <a:ext uri="{FF2B5EF4-FFF2-40B4-BE49-F238E27FC236}">
+                <a16:creationId xmlns:a16="http://schemas.microsoft.com/office/drawing/2014/main" id="{5CB7DB1F-0185-4A27-8F6C-18616061EB32}"/>
+              </a:ext>
+            </a:extLst>
+          </p:cNvPr>
+          <p:cNvSpPr>
+            <a:spLocks noGrp="1"/>
+          </p:cNvSpPr>
+          <p:nvPr>
+            <p:ph type="sldNum" sz="quarter" idx="12"/>
+          </p:nvPr>
+        </p:nvSpPr>
+        <p:spPr/>
+        <p:txBody>
+          <a:bodyPr/>
+          <a:lstStyle/>
+          <a:p>
+            <a:fld id="{9F8B9B78-F2E7-4204-AA86-8E2325C6B924}" type="slidenum">
+              <a:rPr lang="en-US" altLang="en-US"/>
+              <a:pPr/>
+              <a:t>12</a:t>
+            </a:fld>
+            <a:endParaRPr lang="en-US" altLang="en-US"/>
+          </a:p>
+        </p:txBody>
+      </p:sp>
+      <p:sp>
+        <p:nvSpPr>
+          <p:cNvPr id="6" name="TextBox 5">
+            <a:extLst>
+              <a:ext uri="{FF2B5EF4-FFF2-40B4-BE49-F238E27FC236}">
+                <a16:creationId xmlns:a16="http://schemas.microsoft.com/office/drawing/2014/main" id="{5837E065-8C65-412B-AE11-38B807C66D32}"/>
+              </a:ext>
+            </a:extLst>
+          </p:cNvPr>
+          <p:cNvSpPr txBox="1"/>
+          <p:nvPr/>
+        </p:nvSpPr>
+        <p:spPr>
+          <a:xfrm>
+            <a:off x="3120783" y="435490"/>
+            <a:ext cx="5951589" cy="707886"/>
+          </a:xfrm>
+          <a:prstGeom prst="rect">
+            <a:avLst/>
+          </a:prstGeom>
+          <a:noFill/>
+        </p:spPr>
+        <p:txBody>
+          <a:bodyPr wrap="square" lIns="91440" tIns="45720" rIns="91440" bIns="45720" rtlCol="0" anchor="t">
+            <a:spAutoFit/>
+          </a:bodyPr>
+          <a:lstStyle/>
+          <a:p>
+            <a:r>
+              <a:rPr lang="en-CA" sz="4000" b="1">
+                <a:solidFill>
+                  <a:srgbClr val="990000"/>
+                </a:solidFill>
+              </a:rPr>
+              <a:t>Victim Computer Terminal</a:t>
+            </a:r>
+          </a:p>
+        </p:txBody>
+      </p:sp>
+      <p:pic>
+        <p:nvPicPr>
+          <p:cNvPr id="7" name="Picture 7" descr="Text&#10;&#10;Description automatically generated">
+            <a:extLst>
+              <a:ext uri="{FF2B5EF4-FFF2-40B4-BE49-F238E27FC236}">
+                <a16:creationId xmlns:a16="http://schemas.microsoft.com/office/drawing/2014/main" id="{11334048-D2BD-4D58-B266-49BEB97284AA}"/>
+              </a:ext>
+            </a:extLst>
+          </p:cNvPr>
+          <p:cNvPicPr>
+            <a:picLocks noGrp="1" noChangeAspect="1"/>
+          </p:cNvPicPr>
+          <p:nvPr>
+            <p:ph idx="1"/>
+          </p:nvPr>
+        </p:nvPicPr>
+        <p:blipFill>
+          <a:blip r:embed="rId2"/>
+          <a:stretch>
+            <a:fillRect/>
+          </a:stretch>
+        </p:blipFill>
+        <p:spPr>
+          <a:xfrm>
+            <a:off x="2178587" y="1608743"/>
+            <a:ext cx="5405875" cy="3697225"/>
+          </a:xfrm>
+        </p:spPr>
+      </p:pic>
+      <p:sp>
+        <p:nvSpPr>
+          <p:cNvPr id="2" name="Oval 1">
+            <a:extLst>
+              <a:ext uri="{FF2B5EF4-FFF2-40B4-BE49-F238E27FC236}">
+                <a16:creationId xmlns:a16="http://schemas.microsoft.com/office/drawing/2014/main" id="{F2025B0D-BFCE-4FB1-BC26-3A510C3909FD}"/>
+              </a:ext>
+            </a:extLst>
+          </p:cNvPr>
+          <p:cNvSpPr/>
+          <p:nvPr/>
+        </p:nvSpPr>
+        <p:spPr>
+          <a:xfrm>
+            <a:off x="3675888" y="1661160"/>
+            <a:ext cx="652272" cy="323088"/>
+          </a:xfrm>
+          <a:prstGeom prst="ellipse">
+            <a:avLst/>
+          </a:prstGeom>
+          <a:noFill/>
+          <a:ln>
+            <a:solidFill>
+              <a:srgbClr val="FF0000"/>
+            </a:solidFill>
+          </a:ln>
+        </p:spPr>
+        <p:style>
+          <a:lnRef idx="2">
+            <a:schemeClr val="accent1">
+              <a:shade val="50000"/>
+            </a:schemeClr>
+          </a:lnRef>
+          <a:fillRef idx="1">
+            <a:schemeClr val="accent1"/>
+          </a:fillRef>
+          <a:effectRef idx="0">
+            <a:schemeClr val="accent1"/>
+          </a:effectRef>
+          <a:fontRef idx="minor">
+            <a:schemeClr val="lt1"/>
+          </a:fontRef>
+        </p:style>
+        <p:txBody>
+          <a:bodyPr rtlCol="0" anchor="ctr"/>
+          <a:lstStyle/>
+          <a:p>
+            <a:pPr algn="ctr"/>
+            <a:endParaRPr lang="en-GB"/>
+          </a:p>
+        </p:txBody>
+      </p:sp>
+      <p:sp>
+        <p:nvSpPr>
+          <p:cNvPr id="8" name="Oval 7">
+            <a:extLst>
+              <a:ext uri="{FF2B5EF4-FFF2-40B4-BE49-F238E27FC236}">
+                <a16:creationId xmlns:a16="http://schemas.microsoft.com/office/drawing/2014/main" id="{C3704E14-CD58-417B-8ACD-4E69EA135038}"/>
+              </a:ext>
+            </a:extLst>
+          </p:cNvPr>
+          <p:cNvSpPr/>
+          <p:nvPr/>
+        </p:nvSpPr>
+        <p:spPr>
+          <a:xfrm>
+            <a:off x="3706368" y="2130552"/>
+            <a:ext cx="329184" cy="292608"/>
+          </a:xfrm>
+          <a:prstGeom prst="ellipse">
+            <a:avLst/>
+          </a:prstGeom>
+          <a:noFill/>
+          <a:ln>
+            <a:solidFill>
+              <a:srgbClr val="FF0000"/>
+            </a:solidFill>
+          </a:ln>
+        </p:spPr>
+        <p:style>
+          <a:lnRef idx="2">
+            <a:schemeClr val="accent1">
+              <a:shade val="50000"/>
+            </a:schemeClr>
+          </a:lnRef>
+          <a:fillRef idx="1">
+            <a:schemeClr val="accent1"/>
+          </a:fillRef>
+          <a:effectRef idx="0">
+            <a:schemeClr val="accent1"/>
+          </a:effectRef>
+          <a:fontRef idx="minor">
+            <a:schemeClr val="lt1"/>
+          </a:fontRef>
+        </p:style>
+        <p:txBody>
+          <a:bodyPr rtlCol="0" anchor="ctr"/>
+          <a:lstStyle/>
+          <a:p>
+            <a:pPr algn="ctr"/>
+            <a:endParaRPr lang="en-GB"/>
+          </a:p>
+        </p:txBody>
+      </p:sp>
+      <p:sp>
+        <p:nvSpPr>
+          <p:cNvPr id="9" name="Oval 8">
+            <a:extLst>
+              <a:ext uri="{FF2B5EF4-FFF2-40B4-BE49-F238E27FC236}">
+                <a16:creationId xmlns:a16="http://schemas.microsoft.com/office/drawing/2014/main" id="{8B31010B-CEED-4301-A40E-9BFD48E545B5}"/>
+              </a:ext>
+            </a:extLst>
+          </p:cNvPr>
+          <p:cNvSpPr/>
+          <p:nvPr/>
+        </p:nvSpPr>
+        <p:spPr>
+          <a:xfrm>
+            <a:off x="3675888" y="4757928"/>
+            <a:ext cx="621792" cy="292608"/>
+          </a:xfrm>
+          <a:prstGeom prst="ellipse">
+            <a:avLst/>
+          </a:prstGeom>
+          <a:noFill/>
+          <a:ln>
+            <a:solidFill>
+              <a:srgbClr val="FF0000"/>
+            </a:solidFill>
+          </a:ln>
+        </p:spPr>
+        <p:style>
+          <a:lnRef idx="2">
+            <a:schemeClr val="accent1">
+              <a:shade val="50000"/>
+            </a:schemeClr>
+          </a:lnRef>
+          <a:fillRef idx="1">
+            <a:schemeClr val="accent1"/>
+          </a:fillRef>
+          <a:effectRef idx="0">
+            <a:schemeClr val="accent1"/>
+          </a:effectRef>
+          <a:fontRef idx="minor">
+            <a:schemeClr val="lt1"/>
+          </a:fontRef>
+        </p:style>
+        <p:txBody>
+          <a:bodyPr rtlCol="0" anchor="ctr"/>
+          <a:lstStyle/>
+          <a:p>
+            <a:pPr algn="ctr"/>
+            <a:endParaRPr lang="en-GB"/>
+          </a:p>
+        </p:txBody>
+      </p:sp>
+      <p:cxnSp>
+        <p:nvCxnSpPr>
+          <p:cNvPr id="4" name="Straight Arrow Connector 3">
+            <a:extLst>
+              <a:ext uri="{FF2B5EF4-FFF2-40B4-BE49-F238E27FC236}">
+                <a16:creationId xmlns:a16="http://schemas.microsoft.com/office/drawing/2014/main" id="{B9F68EF4-E117-4D20-A06B-06ACE61CAAAF}"/>
+              </a:ext>
+            </a:extLst>
+          </p:cNvPr>
+          <p:cNvCxnSpPr/>
+          <p:nvPr/>
+        </p:nvCxnSpPr>
+        <p:spPr>
+          <a:xfrm>
+            <a:off x="4245483" y="1938146"/>
+            <a:ext cx="3803904" cy="91440"/>
+          </a:xfrm>
+          <a:prstGeom prst="straightConnector1">
+            <a:avLst/>
+          </a:prstGeom>
+          <a:ln>
+            <a:solidFill>
+              <a:srgbClr val="FF0000"/>
+            </a:solidFill>
+            <a:tailEnd type="triangle"/>
+          </a:ln>
+        </p:spPr>
+        <p:style>
+          <a:lnRef idx="1">
+            <a:schemeClr val="accent1"/>
+          </a:lnRef>
+          <a:fillRef idx="0">
+            <a:schemeClr val="accent1"/>
+          </a:fillRef>
+          <a:effectRef idx="0">
+            <a:schemeClr val="accent1"/>
+          </a:effectRef>
+          <a:fontRef idx="minor">
+            <a:schemeClr val="tx1"/>
+          </a:fontRef>
+        </p:style>
+      </p:cxnSp>
+      <p:cxnSp>
+        <p:nvCxnSpPr>
+          <p:cNvPr id="10" name="Straight Arrow Connector 9">
+            <a:extLst>
+              <a:ext uri="{FF2B5EF4-FFF2-40B4-BE49-F238E27FC236}">
+                <a16:creationId xmlns:a16="http://schemas.microsoft.com/office/drawing/2014/main" id="{C7CFE277-9AC6-4CFB-9D3A-B2DA98AD40DB}"/>
+              </a:ext>
+            </a:extLst>
+          </p:cNvPr>
+          <p:cNvCxnSpPr>
+            <a:cxnSpLocks/>
+          </p:cNvCxnSpPr>
+          <p:nvPr/>
+        </p:nvCxnSpPr>
+        <p:spPr>
+          <a:xfrm flipV="1">
+            <a:off x="4251579" y="3535298"/>
+            <a:ext cx="3749040" cy="1286256"/>
+          </a:xfrm>
+          <a:prstGeom prst="straightConnector1">
+            <a:avLst/>
+          </a:prstGeom>
+          <a:ln>
+            <a:solidFill>
+              <a:srgbClr val="FF0000"/>
+            </a:solidFill>
+            <a:tailEnd type="triangle"/>
+          </a:ln>
+        </p:spPr>
+        <p:style>
+          <a:lnRef idx="1">
+            <a:schemeClr val="accent1"/>
+          </a:lnRef>
+          <a:fillRef idx="0">
+            <a:schemeClr val="accent1"/>
+          </a:fillRef>
+          <a:effectRef idx="0">
+            <a:schemeClr val="accent1"/>
+          </a:effectRef>
+          <a:fontRef idx="minor">
+            <a:schemeClr val="tx1"/>
+          </a:fontRef>
+        </p:style>
+      </p:cxnSp>
+      <p:cxnSp>
+        <p:nvCxnSpPr>
+          <p:cNvPr id="11" name="Straight Arrow Connector 10">
+            <a:extLst>
+              <a:ext uri="{FF2B5EF4-FFF2-40B4-BE49-F238E27FC236}">
+                <a16:creationId xmlns:a16="http://schemas.microsoft.com/office/drawing/2014/main" id="{9CAD2CB9-34EC-4674-A5A4-83E247850928}"/>
+              </a:ext>
+            </a:extLst>
+          </p:cNvPr>
+          <p:cNvCxnSpPr>
+            <a:cxnSpLocks/>
+          </p:cNvCxnSpPr>
+          <p:nvPr/>
+        </p:nvCxnSpPr>
+        <p:spPr>
+          <a:xfrm>
+            <a:off x="4007738" y="2383154"/>
+            <a:ext cx="4041648" cy="475488"/>
+          </a:xfrm>
+          <a:prstGeom prst="straightConnector1">
+            <a:avLst/>
+          </a:prstGeom>
+          <a:ln>
+            <a:solidFill>
+              <a:srgbClr val="FF0000"/>
+            </a:solidFill>
+            <a:tailEnd type="triangle"/>
+          </a:ln>
+        </p:spPr>
+        <p:style>
+          <a:lnRef idx="1">
+            <a:schemeClr val="accent1"/>
+          </a:lnRef>
+          <a:fillRef idx="0">
+            <a:schemeClr val="accent1"/>
+          </a:fillRef>
+          <a:effectRef idx="0">
+            <a:schemeClr val="accent1"/>
+          </a:effectRef>
+          <a:fontRef idx="minor">
+            <a:schemeClr val="tx1"/>
+          </a:fontRef>
+        </p:style>
+      </p:cxnSp>
+      <p:sp>
+        <p:nvSpPr>
+          <p:cNvPr id="5" name="TextBox 4">
+            <a:extLst>
+              <a:ext uri="{FF2B5EF4-FFF2-40B4-BE49-F238E27FC236}">
+                <a16:creationId xmlns:a16="http://schemas.microsoft.com/office/drawing/2014/main" id="{6C590CCB-E0FC-4165-8778-0891EA93B08B}"/>
+              </a:ext>
+            </a:extLst>
+          </p:cNvPr>
+          <p:cNvSpPr txBox="1"/>
+          <p:nvPr/>
+        </p:nvSpPr>
+        <p:spPr>
+          <a:xfrm>
+            <a:off x="8009382" y="1742694"/>
+            <a:ext cx="3194304" cy="584775"/>
+          </a:xfrm>
+          <a:prstGeom prst="rect">
+            <a:avLst/>
+          </a:prstGeom>
+          <a:noFill/>
+        </p:spPr>
+        <p:txBody>
+          <a:bodyPr rot="0" spcFirstLastPara="0" vertOverflow="overflow" horzOverflow="overflow" vert="horz" wrap="square" lIns="91440" tIns="45720" rIns="91440" bIns="45720" numCol="1" spcCol="0" rtlCol="0" fromWordArt="0" anchor="t" anchorCtr="0" forceAA="0" compatLnSpc="1">
+            <a:prstTxWarp prst="textNoShape">
+              <a:avLst/>
+            </a:prstTxWarp>
+            <a:spAutoFit/>
+          </a:bodyPr>
+          <a:lstStyle/>
+          <a:p>
+            <a:r>
+              <a:rPr lang="en-GB" sz="1600"/>
+              <a:t>Special port number to indicate </a:t>
+            </a:r>
+            <a:r>
+              <a:rPr lang="en-GB" sz="1600" dirty="0"/>
+              <a:t>the start of the transmission</a:t>
+            </a:r>
+          </a:p>
+        </p:txBody>
+      </p:sp>
+      <p:sp>
+        <p:nvSpPr>
+          <p:cNvPr id="12" name="TextBox 11">
+            <a:extLst>
+              <a:ext uri="{FF2B5EF4-FFF2-40B4-BE49-F238E27FC236}">
+                <a16:creationId xmlns:a16="http://schemas.microsoft.com/office/drawing/2014/main" id="{8028AFCE-8080-44A6-A0B9-BB5535C68AF1}"/>
+              </a:ext>
+            </a:extLst>
+          </p:cNvPr>
+          <p:cNvSpPr txBox="1"/>
+          <p:nvPr/>
+        </p:nvSpPr>
+        <p:spPr>
+          <a:xfrm>
+            <a:off x="8009382" y="2669285"/>
+            <a:ext cx="2743200" cy="338554"/>
+          </a:xfrm>
+          <a:prstGeom prst="rect">
+            <a:avLst/>
+          </a:prstGeom>
+          <a:noFill/>
+        </p:spPr>
+        <p:txBody>
+          <a:bodyPr rot="0" spcFirstLastPara="0" vertOverflow="overflow" horzOverflow="overflow" vert="horz" wrap="square" lIns="91440" tIns="45720" rIns="91440" bIns="45720" numCol="1" spcCol="0" rtlCol="0" fromWordArt="0" anchor="t" anchorCtr="0" forceAA="0" compatLnSpc="1">
+            <a:prstTxWarp prst="textNoShape">
+              <a:avLst/>
+            </a:prstTxWarp>
+            <a:spAutoFit/>
+          </a:bodyPr>
+          <a:lstStyle/>
+          <a:p>
+            <a:r>
+              <a:rPr lang="en-GB" sz="1600"/>
+              <a:t>Amount of packets to be sent</a:t>
+            </a:r>
+            <a:endParaRPr lang="en-US" sz="1600"/>
+          </a:p>
+        </p:txBody>
+      </p:sp>
+      <p:sp>
+        <p:nvSpPr>
+          <p:cNvPr id="13" name="TextBox 12">
+            <a:extLst>
+              <a:ext uri="{FF2B5EF4-FFF2-40B4-BE49-F238E27FC236}">
+                <a16:creationId xmlns:a16="http://schemas.microsoft.com/office/drawing/2014/main" id="{A2ACB23F-4E24-4A57-8866-33B4FF31D3FA}"/>
+              </a:ext>
+            </a:extLst>
+          </p:cNvPr>
+          <p:cNvSpPr txBox="1"/>
+          <p:nvPr/>
+        </p:nvSpPr>
+        <p:spPr>
+          <a:xfrm>
+            <a:off x="8009382" y="3230118"/>
+            <a:ext cx="2944368" cy="584775"/>
+          </a:xfrm>
+          <a:prstGeom prst="rect">
+            <a:avLst/>
+          </a:prstGeom>
+          <a:noFill/>
+        </p:spPr>
+        <p:txBody>
+          <a:bodyPr rot="0" spcFirstLastPara="0" vertOverflow="overflow" horzOverflow="overflow" vert="horz" wrap="square" lIns="91440" tIns="45720" rIns="91440" bIns="45720" numCol="1" spcCol="0" rtlCol="0" fromWordArt="0" anchor="t" anchorCtr="0" forceAA="0" compatLnSpc="1">
+            <a:prstTxWarp prst="textNoShape">
+              <a:avLst/>
+            </a:prstTxWarp>
+            <a:spAutoFit/>
+          </a:bodyPr>
+          <a:lstStyle/>
+          <a:p>
+            <a:r>
+              <a:rPr lang="en-GB" sz="1600"/>
+              <a:t>Special port number to indicate the end of the transmission</a:t>
+            </a:r>
+          </a:p>
+        </p:txBody>
+      </p:sp>
+      <p:pic>
+        <p:nvPicPr>
+          <p:cNvPr id="14" name="Picture 14" descr="Text&#10;&#10;Description automatically generated">
+            <a:extLst>
+              <a:ext uri="{FF2B5EF4-FFF2-40B4-BE49-F238E27FC236}">
+                <a16:creationId xmlns:a16="http://schemas.microsoft.com/office/drawing/2014/main" id="{9CF53352-89DF-467C-A4F3-976BEB4FCA67}"/>
+              </a:ext>
+            </a:extLst>
+          </p:cNvPr>
+          <p:cNvPicPr>
+            <a:picLocks noChangeAspect="1"/>
+          </p:cNvPicPr>
+          <p:nvPr/>
+        </p:nvPicPr>
+        <p:blipFill>
+          <a:blip r:embed="rId3"/>
+          <a:stretch>
+            <a:fillRect/>
+          </a:stretch>
+        </p:blipFill>
+        <p:spPr>
+          <a:xfrm>
+            <a:off x="8328279" y="4664393"/>
+            <a:ext cx="2228850" cy="638175"/>
+          </a:xfrm>
+          <a:prstGeom prst="rect">
+            <a:avLst/>
+          </a:prstGeom>
+        </p:spPr>
+      </p:pic>
+      <p:sp>
+        <p:nvSpPr>
+          <p:cNvPr id="15" name="TextBox 14">
+            <a:extLst>
+              <a:ext uri="{FF2B5EF4-FFF2-40B4-BE49-F238E27FC236}">
+                <a16:creationId xmlns:a16="http://schemas.microsoft.com/office/drawing/2014/main" id="{7D86FE21-D7D6-487F-B91C-E9C6C5DC0333}"/>
+              </a:ext>
+            </a:extLst>
+          </p:cNvPr>
+          <p:cNvSpPr txBox="1"/>
+          <p:nvPr/>
+        </p:nvSpPr>
+        <p:spPr>
+          <a:xfrm>
+            <a:off x="8235696" y="4291584"/>
+            <a:ext cx="1207008" cy="369332"/>
+          </a:xfrm>
+          <a:prstGeom prst="rect">
+            <a:avLst/>
+          </a:prstGeom>
+          <a:noFill/>
+        </p:spPr>
+        <p:txBody>
+          <a:bodyPr rot="0" spcFirstLastPara="0" vertOverflow="overflow" horzOverflow="overflow" vert="horz" wrap="square" lIns="91440" tIns="45720" rIns="91440" bIns="45720" numCol="1" spcCol="0" rtlCol="0" fromWordArt="0" anchor="t" anchorCtr="0" forceAA="0" compatLnSpc="1">
+            <a:prstTxWarp prst="textNoShape">
+              <a:avLst/>
+            </a:prstTxWarp>
+            <a:spAutoFit/>
+          </a:bodyPr>
+          <a:lstStyle/>
+          <a:p>
+            <a:r>
+              <a:rPr lang="en-GB"/>
+              <a:t>Data sent:</a:t>
+            </a:r>
+            <a:endParaRPr lang="en-US"/>
+          </a:p>
+        </p:txBody>
+      </p:sp>
+    </p:spTree>
+    <p:extLst>
+      <p:ext uri="{BB962C8B-B14F-4D97-AF65-F5344CB8AC3E}">
+        <p14:creationId xmlns:p14="http://schemas.microsoft.com/office/powerpoint/2010/main" val="1891475254"/>
+      </p:ext>
+    </p:extLst>
+  </p:cSld>
+  <p:clrMapOvr>
+    <a:masterClrMapping/>
+  </p:clrMapOvr>
+</p:sld>
+</file>
+
+<file path=ppt/slides/slide13.xml><?xml version="1.0" encoding="utf-8"?>
+<p:sld xmlns:a="http://schemas.openxmlformats.org/drawingml/2006/main" xmlns:r="http://schemas.openxmlformats.org/officeDocument/2006/relationships" xmlns:p="http://schemas.openxmlformats.org/presentationml/2006/main">
+  <p:cSld>
+    <p:spTree>
+      <p:nvGrpSpPr>
+        <p:cNvPr id="1" name=""/>
+        <p:cNvGrpSpPr/>
+        <p:nvPr/>
+      </p:nvGrpSpPr>
+      <p:grpSpPr>
+        <a:xfrm>
+          <a:off x="0" y="0"/>
+          <a:ext cx="0" cy="0"/>
+          <a:chOff x="0" y="0"/>
+          <a:chExt cx="0" cy="0"/>
+        </a:xfrm>
+      </p:grpSpPr>
+      <p:sp>
+        <p:nvSpPr>
+          <p:cNvPr id="3" name="Slide Number Placeholder 2">
+            <a:extLst>
+              <a:ext uri="{FF2B5EF4-FFF2-40B4-BE49-F238E27FC236}">
+                <a16:creationId xmlns:a16="http://schemas.microsoft.com/office/drawing/2014/main" id="{5CB7DB1F-0185-4A27-8F6C-18616061EB32}"/>
+              </a:ext>
+            </a:extLst>
+          </p:cNvPr>
+          <p:cNvSpPr>
+            <a:spLocks noGrp="1"/>
+          </p:cNvSpPr>
+          <p:nvPr>
+            <p:ph type="sldNum" sz="quarter" idx="12"/>
+          </p:nvPr>
+        </p:nvSpPr>
+        <p:spPr/>
+        <p:txBody>
+          <a:bodyPr/>
+          <a:lstStyle/>
+          <a:p>
+            <a:fld id="{9F8B9B78-F2E7-4204-AA86-8E2325C6B924}" type="slidenum">
+              <a:rPr lang="en-US" altLang="en-US"/>
+              <a:pPr/>
+              <a:t>13</a:t>
+            </a:fld>
+            <a:endParaRPr lang="en-US" altLang="en-US"/>
+          </a:p>
+        </p:txBody>
+      </p:sp>
+      <p:sp>
+        <p:nvSpPr>
+          <p:cNvPr id="6" name="TextBox 5">
+            <a:extLst>
+              <a:ext uri="{FF2B5EF4-FFF2-40B4-BE49-F238E27FC236}">
+                <a16:creationId xmlns:a16="http://schemas.microsoft.com/office/drawing/2014/main" id="{5837E065-8C65-412B-AE11-38B807C66D32}"/>
+              </a:ext>
+            </a:extLst>
+          </p:cNvPr>
+          <p:cNvSpPr txBox="1"/>
+          <p:nvPr/>
+        </p:nvSpPr>
+        <p:spPr>
+          <a:xfrm>
+            <a:off x="3083913" y="410910"/>
+            <a:ext cx="5951589" cy="707886"/>
+          </a:xfrm>
+          <a:prstGeom prst="rect">
+            <a:avLst/>
+          </a:prstGeom>
+          <a:noFill/>
+        </p:spPr>
+        <p:txBody>
+          <a:bodyPr wrap="square" lIns="91440" tIns="45720" rIns="91440" bIns="45720" rtlCol="0" anchor="t">
+            <a:spAutoFit/>
+          </a:bodyPr>
+          <a:lstStyle/>
+          <a:p>
+            <a:pPr algn="ctr"/>
+            <a:r>
+              <a:rPr lang="en-CA" sz="4000" b="1">
+                <a:solidFill>
+                  <a:srgbClr val="990000"/>
+                </a:solidFill>
+              </a:rPr>
+              <a:t>Dataflow Diagram</a:t>
+            </a:r>
+            <a:endParaRPr lang="en-US"/>
+          </a:p>
+        </p:txBody>
+      </p:sp>
+      <p:pic>
+        <p:nvPicPr>
+          <p:cNvPr id="4" name="Picture 4" descr="Diagram&#10;&#10;Description automatically generated">
+            <a:extLst>
+              <a:ext uri="{FF2B5EF4-FFF2-40B4-BE49-F238E27FC236}">
+                <a16:creationId xmlns:a16="http://schemas.microsoft.com/office/drawing/2014/main" id="{3FD383A0-1053-4190-9875-5DDA7164EC1F}"/>
+              </a:ext>
+            </a:extLst>
+          </p:cNvPr>
+          <p:cNvPicPr>
+            <a:picLocks noChangeAspect="1"/>
+          </p:cNvPicPr>
+          <p:nvPr/>
+        </p:nvPicPr>
+        <p:blipFill>
+          <a:blip r:embed="rId2"/>
+          <a:stretch>
+            <a:fillRect/>
+          </a:stretch>
+        </p:blipFill>
+        <p:spPr>
+          <a:xfrm>
+            <a:off x="2045110" y="1331095"/>
+            <a:ext cx="8028038" cy="4650552"/>
+          </a:xfrm>
+          <a:prstGeom prst="rect">
+            <a:avLst/>
+          </a:prstGeom>
+        </p:spPr>
+      </p:pic>
+    </p:spTree>
+    <p:extLst>
+      <p:ext uri="{BB962C8B-B14F-4D97-AF65-F5344CB8AC3E}">
+        <p14:creationId xmlns:p14="http://schemas.microsoft.com/office/powerpoint/2010/main" val="1889451108"/>
+      </p:ext>
+    </p:extLst>
+  </p:cSld>
+  <p:clrMapOvr>
+    <a:masterClrMapping/>
+  </p:clrMapOvr>
+</p:sld>
+</file>
+
+<file path=ppt/slides/slide14.xml><?xml version="1.0" encoding="utf-8"?>
+<p:sld xmlns:a="http://schemas.openxmlformats.org/drawingml/2006/main" xmlns:r="http://schemas.openxmlformats.org/officeDocument/2006/relationships" xmlns:p="http://schemas.openxmlformats.org/presentationml/2006/main">
+  <p:cSld>
+    <p:spTree>
+      <p:nvGrpSpPr>
+        <p:cNvPr id="1" name=""/>
+        <p:cNvGrpSpPr/>
+        <p:nvPr/>
+      </p:nvGrpSpPr>
+      <p:grpSpPr>
+        <a:xfrm>
+          <a:off x="0" y="0"/>
+          <a:ext cx="0" cy="0"/>
+          <a:chOff x="0" y="0"/>
+          <a:chExt cx="0" cy="0"/>
+        </a:xfrm>
+      </p:grpSpPr>
+      <p:sp>
+        <p:nvSpPr>
+          <p:cNvPr id="3" name="Slide Number Placeholder 2">
+            <a:extLst>
+              <a:ext uri="{FF2B5EF4-FFF2-40B4-BE49-F238E27FC236}">
+                <a16:creationId xmlns:a16="http://schemas.microsoft.com/office/drawing/2014/main" id="{5CB7DB1F-0185-4A27-8F6C-18616061EB32}"/>
+              </a:ext>
+            </a:extLst>
+          </p:cNvPr>
+          <p:cNvSpPr>
+            <a:spLocks noGrp="1"/>
+          </p:cNvSpPr>
+          <p:nvPr>
+            <p:ph type="sldNum" sz="quarter" idx="12"/>
+          </p:nvPr>
+        </p:nvSpPr>
+        <p:spPr/>
+        <p:txBody>
+          <a:bodyPr/>
+          <a:lstStyle/>
+          <a:p>
+            <a:fld id="{9F8B9B78-F2E7-4204-AA86-8E2325C6B924}" type="slidenum">
+              <a:rPr lang="en-US" altLang="en-US"/>
+              <a:pPr/>
+              <a:t>14</a:t>
+            </a:fld>
+            <a:endParaRPr lang="en-US" altLang="en-US"/>
+          </a:p>
+        </p:txBody>
+      </p:sp>
+      <p:sp>
+        <p:nvSpPr>
+          <p:cNvPr id="6" name="TextBox 5">
+            <a:extLst>
+              <a:ext uri="{FF2B5EF4-FFF2-40B4-BE49-F238E27FC236}">
+                <a16:creationId xmlns:a16="http://schemas.microsoft.com/office/drawing/2014/main" id="{5837E065-8C65-412B-AE11-38B807C66D32}"/>
+              </a:ext>
+            </a:extLst>
+          </p:cNvPr>
+          <p:cNvSpPr txBox="1"/>
+          <p:nvPr/>
+        </p:nvSpPr>
+        <p:spPr>
+          <a:xfrm>
+            <a:off x="3120783" y="435490"/>
+            <a:ext cx="5951589" cy="707886"/>
+          </a:xfrm>
+          <a:prstGeom prst="rect">
+            <a:avLst/>
+          </a:prstGeom>
+          <a:noFill/>
+        </p:spPr>
+        <p:txBody>
+          <a:bodyPr wrap="square" lIns="91440" tIns="45720" rIns="91440" bIns="45720" rtlCol="0" anchor="t">
+            <a:spAutoFit/>
+          </a:bodyPr>
+          <a:lstStyle/>
+          <a:p>
+            <a:pPr algn="ctr"/>
+            <a:r>
+              <a:rPr lang="en-CA" sz="4000" b="1">
+                <a:solidFill>
+                  <a:srgbClr val="990000"/>
+                </a:solidFill>
+              </a:rPr>
+              <a:t>Server Terminal</a:t>
+            </a:r>
+          </a:p>
+        </p:txBody>
+      </p:sp>
+      <p:pic>
+        <p:nvPicPr>
+          <p:cNvPr id="5" name="Picture 7" descr="Text&#10;&#10;Description automatically generated">
+            <a:extLst>
+              <a:ext uri="{FF2B5EF4-FFF2-40B4-BE49-F238E27FC236}">
+                <a16:creationId xmlns:a16="http://schemas.microsoft.com/office/drawing/2014/main" id="{7BFBB56C-5977-4725-9B1F-29E50DA80A7F}"/>
+              </a:ext>
+            </a:extLst>
+          </p:cNvPr>
+          <p:cNvPicPr>
+            <a:picLocks noGrp="1" noChangeAspect="1"/>
+          </p:cNvPicPr>
+          <p:nvPr>
+            <p:ph idx="1"/>
+          </p:nvPr>
+        </p:nvPicPr>
+        <p:blipFill>
+          <a:blip r:embed="rId2"/>
+          <a:stretch>
+            <a:fillRect/>
+          </a:stretch>
+        </p:blipFill>
+        <p:spPr>
+          <a:xfrm>
+            <a:off x="1915311" y="2247171"/>
+            <a:ext cx="8467063" cy="2930358"/>
+          </a:xfrm>
+        </p:spPr>
+      </p:pic>
+      <p:sp>
+        <p:nvSpPr>
+          <p:cNvPr id="12" name="Rectangle 11">
+            <a:extLst>
+              <a:ext uri="{FF2B5EF4-FFF2-40B4-BE49-F238E27FC236}">
+                <a16:creationId xmlns:a16="http://schemas.microsoft.com/office/drawing/2014/main" id="{111A1EE6-6913-4487-8789-076D7743176B}"/>
+              </a:ext>
+            </a:extLst>
+          </p:cNvPr>
+          <p:cNvSpPr/>
+          <p:nvPr/>
+        </p:nvSpPr>
+        <p:spPr>
+          <a:xfrm>
+            <a:off x="1914144" y="4459224"/>
+            <a:ext cx="2151888" cy="152400"/>
+          </a:xfrm>
+          <a:prstGeom prst="rect">
+            <a:avLst/>
+          </a:prstGeom>
+          <a:noFill/>
+          <a:ln>
+            <a:solidFill>
+              <a:schemeClr val="accent1"/>
+            </a:solidFill>
+          </a:ln>
+        </p:spPr>
+        <p:style>
+          <a:lnRef idx="2">
+            <a:schemeClr val="accent1">
+              <a:shade val="50000"/>
+            </a:schemeClr>
+          </a:lnRef>
+          <a:fillRef idx="1">
+            <a:schemeClr val="accent1"/>
+          </a:fillRef>
+          <a:effectRef idx="0">
+            <a:schemeClr val="accent1"/>
+          </a:effectRef>
+          <a:fontRef idx="minor">
+            <a:schemeClr val="lt1"/>
+          </a:fontRef>
+        </p:style>
+        <p:txBody>
+          <a:bodyPr rtlCol="0" anchor="ctr"/>
+          <a:lstStyle/>
+          <a:p>
+            <a:pPr algn="ctr"/>
+            <a:endParaRPr lang="en-GB"/>
+          </a:p>
+        </p:txBody>
+      </p:sp>
+      <p:sp>
+        <p:nvSpPr>
+          <p:cNvPr id="13" name="Rectangle 12">
+            <a:extLst>
+              <a:ext uri="{FF2B5EF4-FFF2-40B4-BE49-F238E27FC236}">
+                <a16:creationId xmlns:a16="http://schemas.microsoft.com/office/drawing/2014/main" id="{3674038E-2A21-4AED-9184-9EAD676CD3B8}"/>
+              </a:ext>
+            </a:extLst>
+          </p:cNvPr>
+          <p:cNvSpPr/>
+          <p:nvPr/>
+        </p:nvSpPr>
+        <p:spPr>
+          <a:xfrm>
+            <a:off x="1914144" y="4636007"/>
+            <a:ext cx="2151888" cy="152400"/>
+          </a:xfrm>
+          <a:prstGeom prst="rect">
+            <a:avLst/>
+          </a:prstGeom>
+          <a:noFill/>
+          <a:ln>
+            <a:solidFill>
+              <a:schemeClr val="accent1"/>
+            </a:solidFill>
+          </a:ln>
+        </p:spPr>
+        <p:style>
+          <a:lnRef idx="2">
+            <a:schemeClr val="accent1">
+              <a:shade val="50000"/>
+            </a:schemeClr>
+          </a:lnRef>
+          <a:fillRef idx="1">
+            <a:schemeClr val="accent1"/>
+          </a:fillRef>
+          <a:effectRef idx="0">
+            <a:schemeClr val="accent1"/>
+          </a:effectRef>
+          <a:fontRef idx="minor">
+            <a:schemeClr val="lt1"/>
+          </a:fontRef>
+        </p:style>
+        <p:txBody>
+          <a:bodyPr rtlCol="0" anchor="ctr"/>
+          <a:lstStyle/>
+          <a:p>
+            <a:pPr algn="ctr"/>
+            <a:endParaRPr lang="en-GB"/>
+          </a:p>
+        </p:txBody>
+      </p:sp>
+      <p:sp>
+        <p:nvSpPr>
+          <p:cNvPr id="14" name="Rectangle 13">
+            <a:extLst>
+              <a:ext uri="{FF2B5EF4-FFF2-40B4-BE49-F238E27FC236}">
+                <a16:creationId xmlns:a16="http://schemas.microsoft.com/office/drawing/2014/main" id="{239365E5-94DD-430A-827F-4E3B5A2B0AEB}"/>
+              </a:ext>
+            </a:extLst>
+          </p:cNvPr>
+          <p:cNvSpPr/>
+          <p:nvPr/>
+        </p:nvSpPr>
+        <p:spPr>
+          <a:xfrm>
+            <a:off x="1914144" y="4965191"/>
+            <a:ext cx="713232" cy="158496"/>
+          </a:xfrm>
+          <a:prstGeom prst="rect">
+            <a:avLst/>
+          </a:prstGeom>
+          <a:noFill/>
+          <a:ln>
+            <a:solidFill>
+              <a:schemeClr val="accent1"/>
+            </a:solidFill>
+          </a:ln>
+        </p:spPr>
+        <p:style>
+          <a:lnRef idx="2">
+            <a:schemeClr val="accent1">
+              <a:shade val="50000"/>
+            </a:schemeClr>
+          </a:lnRef>
+          <a:fillRef idx="1">
+            <a:schemeClr val="accent1"/>
+          </a:fillRef>
+          <a:effectRef idx="0">
+            <a:schemeClr val="accent1"/>
+          </a:effectRef>
+          <a:fontRef idx="minor">
+            <a:schemeClr val="lt1"/>
+          </a:fontRef>
+        </p:style>
+        <p:txBody>
+          <a:bodyPr rtlCol="0" anchor="ctr"/>
+          <a:lstStyle/>
+          <a:p>
+            <a:pPr algn="ctr"/>
+            <a:endParaRPr lang="en-GB"/>
+          </a:p>
+        </p:txBody>
+      </p:sp>
+    </p:spTree>
+    <p:extLst>
+      <p:ext uri="{BB962C8B-B14F-4D97-AF65-F5344CB8AC3E}">
+        <p14:creationId xmlns:p14="http://schemas.microsoft.com/office/powerpoint/2010/main" val="3610380731"/>
+      </p:ext>
+    </p:extLst>
+  </p:cSld>
+  <p:clrMapOvr>
+    <a:masterClrMapping/>
+  </p:clrMapOvr>
+</p:sld>
+</file>
+
+<file path=ppt/slides/slide15.xml><?xml version="1.0" encoding="utf-8"?>
+<p:sld xmlns:a="http://schemas.openxmlformats.org/drawingml/2006/main" xmlns:r="http://schemas.openxmlformats.org/officeDocument/2006/relationships" xmlns:p="http://schemas.openxmlformats.org/presentationml/2006/main">
+  <p:cSld>
+    <p:spTree>
+      <p:nvGrpSpPr>
+        <p:cNvPr id="1" name=""/>
+        <p:cNvGrpSpPr/>
+        <p:nvPr/>
+      </p:nvGrpSpPr>
+      <p:grpSpPr>
+        <a:xfrm>
+          <a:off x="0" y="0"/>
+          <a:ext cx="0" cy="0"/>
+          <a:chOff x="0" y="0"/>
+          <a:chExt cx="0" cy="0"/>
+        </a:xfrm>
+      </p:grpSpPr>
+      <p:sp>
+        <p:nvSpPr>
+          <p:cNvPr id="3" name="Slide Number Placeholder 2">
+            <a:extLst>
+              <a:ext uri="{FF2B5EF4-FFF2-40B4-BE49-F238E27FC236}">
+                <a16:creationId xmlns:a16="http://schemas.microsoft.com/office/drawing/2014/main" id="{5CB7DB1F-0185-4A27-8F6C-18616061EB32}"/>
+              </a:ext>
+            </a:extLst>
+          </p:cNvPr>
+          <p:cNvSpPr>
+            <a:spLocks noGrp="1"/>
+          </p:cNvSpPr>
+          <p:nvPr>
+            <p:ph type="sldNum" sz="quarter" idx="12"/>
+          </p:nvPr>
+        </p:nvSpPr>
+        <p:spPr/>
+        <p:txBody>
+          <a:bodyPr/>
+          <a:lstStyle/>
+          <a:p>
+            <a:fld id="{9F8B9B78-F2E7-4204-AA86-8E2325C6B924}" type="slidenum">
+              <a:rPr lang="en-US" altLang="en-US"/>
+              <a:pPr/>
+              <a:t>15</a:t>
+            </a:fld>
+            <a:endParaRPr lang="en-US" altLang="en-US"/>
+          </a:p>
+        </p:txBody>
+      </p:sp>
+      <p:sp>
+        <p:nvSpPr>
+          <p:cNvPr id="6" name="TextBox 5">
+            <a:extLst>
+              <a:ext uri="{FF2B5EF4-FFF2-40B4-BE49-F238E27FC236}">
+                <a16:creationId xmlns:a16="http://schemas.microsoft.com/office/drawing/2014/main" id="{5837E065-8C65-412B-AE11-38B807C66D32}"/>
+              </a:ext>
+            </a:extLst>
+          </p:cNvPr>
+          <p:cNvSpPr txBox="1"/>
+          <p:nvPr/>
+        </p:nvSpPr>
+        <p:spPr>
+          <a:xfrm>
+            <a:off x="3120784" y="398619"/>
+            <a:ext cx="5951589" cy="707886"/>
+          </a:xfrm>
+          <a:prstGeom prst="rect">
+            <a:avLst/>
+          </a:prstGeom>
+          <a:noFill/>
+        </p:spPr>
+        <p:txBody>
+          <a:bodyPr wrap="square" lIns="91440" tIns="45720" rIns="91440" bIns="45720" rtlCol="0" anchor="t">
+            <a:spAutoFit/>
+          </a:bodyPr>
+          <a:lstStyle/>
+          <a:p>
+            <a:pPr algn="ctr"/>
+            <a:r>
+              <a:rPr lang="en-CA" sz="4000" b="1">
+                <a:solidFill>
+                  <a:srgbClr val="990000"/>
+                </a:solidFill>
+              </a:rPr>
+              <a:t>Demo</a:t>
+            </a:r>
+            <a:endParaRPr lang="en-US"/>
+          </a:p>
+        </p:txBody>
+      </p:sp>
+      <p:pic>
+        <p:nvPicPr>
+          <p:cNvPr id="2" name="Picture 3" descr="Shape, arrow&#10;&#10;Description automatically generated">
+            <a:extLst>
+              <a:ext uri="{FF2B5EF4-FFF2-40B4-BE49-F238E27FC236}">
+                <a16:creationId xmlns:a16="http://schemas.microsoft.com/office/drawing/2014/main" id="{F96B3962-F7E5-4424-8413-B61B4A3C6443}"/>
+              </a:ext>
+            </a:extLst>
+          </p:cNvPr>
+          <p:cNvPicPr>
+            <a:picLocks noChangeAspect="1"/>
+          </p:cNvPicPr>
+          <p:nvPr/>
+        </p:nvPicPr>
+        <p:blipFill>
+          <a:blip r:embed="rId2"/>
+          <a:stretch>
+            <a:fillRect/>
+          </a:stretch>
+        </p:blipFill>
+        <p:spPr>
+          <a:xfrm>
+            <a:off x="2329303" y="1332392"/>
+            <a:ext cx="7316255" cy="4185814"/>
+          </a:xfrm>
+          <a:prstGeom prst="rect">
+            <a:avLst/>
+          </a:prstGeom>
+        </p:spPr>
+      </p:pic>
+    </p:spTree>
+    <p:extLst>
+      <p:ext uri="{BB962C8B-B14F-4D97-AF65-F5344CB8AC3E}">
+        <p14:creationId xmlns:p14="http://schemas.microsoft.com/office/powerpoint/2010/main" val="209998827"/>
+      </p:ext>
+    </p:extLst>
+  </p:cSld>
+  <p:clrMapOvr>
+    <a:masterClrMapping/>
+  </p:clrMapOvr>
+</p:sld>
+</file>
+
+<file path=ppt/slides/slide16.xml><?xml version="1.0" encoding="utf-8"?>
+<p:sld xmlns:a="http://schemas.openxmlformats.org/drawingml/2006/main" xmlns:r="http://schemas.openxmlformats.org/officeDocument/2006/relationships" xmlns:p="http://schemas.openxmlformats.org/presentationml/2006/main">
+  <p:cSld>
+    <p:spTree>
+      <p:nvGrpSpPr>
+        <p:cNvPr id="1" name=""/>
+        <p:cNvGrpSpPr/>
+        <p:nvPr/>
+      </p:nvGrpSpPr>
+      <p:grpSpPr>
+        <a:xfrm>
+          <a:off x="0" y="0"/>
+          <a:ext cx="0" cy="0"/>
+          <a:chOff x="0" y="0"/>
+          <a:chExt cx="0" cy="0"/>
+        </a:xfrm>
+      </p:grpSpPr>
+      <p:sp>
+        <p:nvSpPr>
+          <p:cNvPr id="3" name="Slide Number Placeholder 2">
+            <a:extLst>
+              <a:ext uri="{FF2B5EF4-FFF2-40B4-BE49-F238E27FC236}">
+                <a16:creationId xmlns:a16="http://schemas.microsoft.com/office/drawing/2014/main" id="{5CB7DB1F-0185-4A27-8F6C-18616061EB32}"/>
+              </a:ext>
+            </a:extLst>
+          </p:cNvPr>
+          <p:cNvSpPr>
+            <a:spLocks noGrp="1"/>
+          </p:cNvSpPr>
+          <p:nvPr>
+            <p:ph type="sldNum" sz="quarter" idx="12"/>
+          </p:nvPr>
+        </p:nvSpPr>
+        <p:spPr/>
+        <p:txBody>
+          <a:bodyPr/>
+          <a:lstStyle/>
+          <a:p>
+            <a:fld id="{9F8B9B78-F2E7-4204-AA86-8E2325C6B924}" type="slidenum">
+              <a:rPr lang="en-US" altLang="en-US"/>
+              <a:pPr/>
+              <a:t>16</a:t>
+            </a:fld>
+            <a:endParaRPr lang="en-US" altLang="en-US"/>
+          </a:p>
+        </p:txBody>
+      </p:sp>
+      <p:sp>
+        <p:nvSpPr>
+          <p:cNvPr id="4" name="Content Placeholder 3">
+            <a:extLst>
+              <a:ext uri="{FF2B5EF4-FFF2-40B4-BE49-F238E27FC236}">
+                <a16:creationId xmlns:a16="http://schemas.microsoft.com/office/drawing/2014/main" id="{2F963FF4-CB4C-479E-BACC-4C13AD2CCCA7}"/>
+              </a:ext>
+            </a:extLst>
+          </p:cNvPr>
+          <p:cNvSpPr>
+            <a:spLocks noGrp="1"/>
+          </p:cNvSpPr>
+          <p:nvPr>
+            <p:ph idx="1"/>
+          </p:nvPr>
+        </p:nvSpPr>
+        <p:spPr>
+          <a:xfrm>
+            <a:off x="1484310" y="1285874"/>
+            <a:ext cx="10018713" cy="3286126"/>
+          </a:xfrm>
+        </p:spPr>
+        <p:txBody>
+          <a:bodyPr>
+            <a:normAutofit/>
+          </a:bodyPr>
+          <a:lstStyle/>
+          <a:p>
+            <a:pPr marL="0" indent="0">
+              <a:buNone/>
+            </a:pPr>
+            <a:endParaRPr lang="en-CA"/>
+          </a:p>
+          <a:p>
+            <a:pPr marL="457200" lvl="1" indent="0">
+              <a:buNone/>
+            </a:pPr>
+            <a:endParaRPr lang="en-CA"/>
+          </a:p>
+          <a:p>
+            <a:pPr lvl="1"/>
+            <a:endParaRPr lang="en-CA"/>
+          </a:p>
+        </p:txBody>
+      </p:sp>
+      <p:sp>
+        <p:nvSpPr>
+          <p:cNvPr id="6" name="TextBox 5">
+            <a:extLst>
+              <a:ext uri="{FF2B5EF4-FFF2-40B4-BE49-F238E27FC236}">
+                <a16:creationId xmlns:a16="http://schemas.microsoft.com/office/drawing/2014/main" id="{5837E065-8C65-412B-AE11-38B807C66D32}"/>
+              </a:ext>
+            </a:extLst>
+          </p:cNvPr>
+          <p:cNvSpPr txBox="1"/>
+          <p:nvPr/>
+        </p:nvSpPr>
+        <p:spPr>
+          <a:xfrm>
+            <a:off x="3553599" y="959746"/>
+            <a:ext cx="5951589" cy="707886"/>
+          </a:xfrm>
+          <a:prstGeom prst="rect">
+            <a:avLst/>
+          </a:prstGeom>
+          <a:noFill/>
+        </p:spPr>
+        <p:txBody>
+          <a:bodyPr wrap="square" lIns="91440" tIns="45720" rIns="91440" bIns="45720" rtlCol="0" anchor="t">
+            <a:spAutoFit/>
+          </a:bodyPr>
+          <a:lstStyle/>
+          <a:p>
+            <a:r>
+              <a:rPr lang="en-CA" sz="4000" b="1">
+                <a:solidFill>
+                  <a:srgbClr val="990000"/>
+                </a:solidFill>
+              </a:rPr>
+              <a:t>Questions &amp; Discussion</a:t>
+            </a:r>
+            <a:endParaRPr lang="en-US"/>
+          </a:p>
+        </p:txBody>
+      </p:sp>
+    </p:spTree>
+    <p:extLst>
+      <p:ext uri="{BB962C8B-B14F-4D97-AF65-F5344CB8AC3E}">
+        <p14:creationId xmlns:p14="http://schemas.microsoft.com/office/powerpoint/2010/main" val="2971417420"/>
       </p:ext>
     </p:extLst>
   </p:cSld>
@@ -7986,7 +9559,7 @@
           <a:lstStyle/>
           <a:p>
             <a:r>
-              <a:rPr lang="en-US" altLang="ja-JP" sz="4000" b="1" dirty="0">
+              <a:rPr lang="en-US" altLang="ja-JP" sz="4000" b="1">
                 <a:solidFill>
                   <a:srgbClr val="990000"/>
                 </a:solidFill>
@@ -9320,7 +10893,7 @@
           <a:lstStyle/>
           <a:p>
             <a:r>
-              <a:rPr lang="en-CA" sz="4000" b="1" dirty="0">
+              <a:rPr lang="en-CA" sz="4000" b="1">
                 <a:solidFill>
                   <a:srgbClr val="990000"/>
                 </a:solidFill>
@@ -9359,15 +10932,15 @@
           <a:p>
             <a:pPr eaLnBrk="0" hangingPunct="0"/>
             <a:r>
-              <a:rPr lang="en-US" altLang="en-US" sz="1400" b="1" u="sng" dirty="0"/>
+              <a:rPr lang="en-US" altLang="en-US" sz="1400" b="1" u="sng"/>
               <a:t>Field					Purpose			</a:t>
             </a:r>
-            <a:endParaRPr lang="en-US" altLang="en-US" sz="1400" u="sng" dirty="0"/>
+            <a:endParaRPr lang="en-US" altLang="en-US" sz="1400" u="sng"/>
           </a:p>
           <a:p>
             <a:pPr eaLnBrk="0" hangingPunct="0"/>
             <a:r>
-              <a:rPr lang="en-US" altLang="en-US" sz="1400" b="1" dirty="0">
+              <a:rPr lang="en-US" altLang="en-US" sz="1400" b="1">
                 <a:solidFill>
                   <a:srgbClr val="990000"/>
                 </a:solidFill>
@@ -9378,66 +10951,66 @@
           <a:p>
             <a:pPr eaLnBrk="0" hangingPunct="0"/>
             <a:r>
-              <a:rPr lang="en-US" altLang="en-US" sz="1400" dirty="0"/>
+              <a:rPr lang="en-US" altLang="en-US" sz="1400"/>
               <a:t>Destination Port	Identifies destination application</a:t>
             </a:r>
           </a:p>
           <a:p>
             <a:pPr eaLnBrk="0" hangingPunct="0"/>
             <a:r>
-              <a:rPr lang="en-US" altLang="en-US" sz="1400" dirty="0"/>
+              <a:rPr lang="en-US" altLang="en-US" sz="1400"/>
               <a:t>Sequence No.	Sequence number of first octet in the segment</a:t>
             </a:r>
           </a:p>
           <a:p>
             <a:pPr eaLnBrk="0" hangingPunct="0"/>
             <a:r>
-              <a:rPr lang="en-US" altLang="en-US" sz="1400" dirty="0"/>
+              <a:rPr lang="en-US" altLang="en-US" sz="1400"/>
               <a:t>Ack. No. #		Sequence number of the next expected octet (if ACK flag set)</a:t>
             </a:r>
           </a:p>
           <a:p>
             <a:pPr eaLnBrk="0" hangingPunct="0"/>
             <a:r>
-              <a:rPr lang="en-US" altLang="en-US" sz="1400" dirty="0"/>
+              <a:rPr lang="en-US" altLang="en-US" sz="1400"/>
               <a:t>Len			Length of TCP header in 4 octet units</a:t>
             </a:r>
           </a:p>
           <a:p>
             <a:pPr eaLnBrk="0" hangingPunct="0"/>
             <a:r>
-              <a:rPr lang="en-US" altLang="en-US" sz="1400" dirty="0"/>
+              <a:rPr lang="en-US" altLang="en-US" sz="1400"/>
               <a:t>Flags			TCP flags: SYN, FIN, RST, PSH, ACK, URG</a:t>
             </a:r>
           </a:p>
           <a:p>
             <a:pPr eaLnBrk="0" hangingPunct="0"/>
             <a:r>
-              <a:rPr lang="en-US" altLang="en-US" sz="1400" dirty="0"/>
+              <a:rPr lang="en-US" altLang="en-US" sz="1400"/>
               <a:t>Window		Number of octets from ACK that sender will accept</a:t>
             </a:r>
           </a:p>
           <a:p>
             <a:pPr eaLnBrk="0" hangingPunct="0"/>
             <a:r>
-              <a:rPr lang="en-US" altLang="en-US" sz="1400" dirty="0"/>
+              <a:rPr lang="en-US" altLang="en-US" sz="1400"/>
               <a:t>Checksum		Checksum of IP pseudo-header + TCP header + data</a:t>
             </a:r>
           </a:p>
           <a:p>
             <a:pPr eaLnBrk="0" hangingPunct="0"/>
             <a:r>
-              <a:rPr lang="en-US" altLang="en-US" sz="1400" dirty="0"/>
+              <a:rPr lang="en-US" altLang="en-US" sz="1400"/>
               <a:t>Urgent Pointer	Pointer to end of “urgent data”</a:t>
             </a:r>
           </a:p>
           <a:p>
             <a:pPr eaLnBrk="0" hangingPunct="0"/>
             <a:r>
-              <a:rPr lang="en-US" altLang="en-US" sz="1400" dirty="0"/>
+              <a:rPr lang="en-US" altLang="en-US" sz="1400"/>
               <a:t>Options		Special TCP options such as MSS and Window Scale</a:t>
             </a:r>
-            <a:endParaRPr lang="en-CA" sz="1400" dirty="0"/>
+            <a:endParaRPr lang="en-CA" sz="1400"/>
           </a:p>
         </p:txBody>
       </p:sp>
@@ -10004,30 +11577,30 @@
           <a:p>
             <a:pPr algn="ctr"/>
             <a:r>
-              <a:rPr lang="en-US" altLang="en-US" dirty="0"/>
+              <a:rPr lang="en-US" altLang="en-US"/>
               <a:t>SYN</a:t>
             </a:r>
           </a:p>
           <a:p>
             <a:pPr algn="ctr"/>
             <a:r>
-              <a:rPr lang="en-US" altLang="en-US" dirty="0"/>
+              <a:rPr lang="en-US" altLang="en-US"/>
               <a:t>ISN=</a:t>
             </a:r>
             <a:r>
-              <a:rPr lang="en-US" altLang="en-US" b="1" i="1" dirty="0"/>
+              <a:rPr lang="en-US" altLang="en-US" b="1" i="1"/>
               <a:t>Y</a:t>
             </a:r>
             <a:r>
-              <a:rPr lang="en-US" altLang="en-US" dirty="0"/>
+              <a:rPr lang="en-US" altLang="en-US"/>
               <a:t> ACK=</a:t>
             </a:r>
             <a:r>
-              <a:rPr lang="en-US" altLang="en-US" b="1" i="1" dirty="0"/>
+              <a:rPr lang="en-US" altLang="en-US" b="1" i="1"/>
               <a:t>X</a:t>
             </a:r>
             <a:r>
-              <a:rPr lang="en-US" altLang="en-US" dirty="0"/>
+              <a:rPr lang="en-US" altLang="en-US"/>
               <a:t>+1</a:t>
             </a:r>
           </a:p>
@@ -10310,7 +11883,7 @@
           <a:lstStyle/>
           <a:p>
             <a:r>
-              <a:rPr lang="en-CA" sz="4000" b="1" dirty="0">
+              <a:rPr lang="en-CA" sz="4000" b="1">
                 <a:solidFill>
                   <a:srgbClr val="990000"/>
                 </a:solidFill>
@@ -10538,7 +12111,7 @@
               <a:lstStyle/>
               <a:p>
                 <a:r>
-                  <a:rPr lang="en-US" altLang="en-US" sz="2000" b="1" dirty="0">
+                  <a:rPr lang="en-US" altLang="en-US" sz="2000" b="1">
                     <a:latin typeface="Arial Narrow" panose="020B0606020202030204" pitchFamily="34" charset="0"/>
                   </a:rPr>
                   <a:t>Victim’s PC</a:t>
@@ -10893,7 +12466,7 @@
                 <a:graphicData uri="http://schemas.openxmlformats.org/presentationml/2006/ole">
                   <mc:AlternateContent xmlns:mc="http://schemas.openxmlformats.org/markup-compatibility/2006">
                     <mc:Choice xmlns:v="urn:schemas-microsoft-com:vml" Requires="v">
-                      <p:oleObj spid="_x0000_s2089" name="Clip" r:id="rId5" imgW="4671000" imgH="3857760" progId="MS_ClipArt_Gallery.2">
+                      <p:oleObj spid="_x0000_s25601" name="Clip" r:id="rId5" imgW="4671000" imgH="3857760" progId="MS_ClipArt_Gallery.2">
                         <p:embed/>
                       </p:oleObj>
                     </mc:Choice>
@@ -11077,7 +12650,7 @@
               <a:graphicData uri="http://schemas.openxmlformats.org/presentationml/2006/ole">
                 <mc:AlternateContent xmlns:mc="http://schemas.openxmlformats.org/markup-compatibility/2006">
                   <mc:Choice xmlns:v="urn:schemas-microsoft-com:vml" Requires="v">
-                    <p:oleObj spid="_x0000_s2090" name="Clip" r:id="rId7" imgW="4671000" imgH="5045400" progId="MS_ClipArt_Gallery.2">
+                    <p:oleObj spid="_x0000_s25602" name="Clip" r:id="rId7" imgW="4671000" imgH="5045400" progId="MS_ClipArt_Gallery.2">
                       <p:embed/>
                     </p:oleObj>
                   </mc:Choice>
@@ -11188,7 +12761,7 @@
               <a:graphicData uri="http://schemas.openxmlformats.org/presentationml/2006/ole">
                 <mc:AlternateContent xmlns:mc="http://schemas.openxmlformats.org/markup-compatibility/2006">
                   <mc:Choice xmlns:v="urn:schemas-microsoft-com:vml" Requires="v">
-                    <p:oleObj spid="_x0000_s2091" name="Clip" r:id="rId9" imgW="4671000" imgH="3711600" progId="MS_ClipArt_Gallery.2">
+                    <p:oleObj spid="_x0000_s25603" name="Clip" r:id="rId9" imgW="4671000" imgH="3711600" progId="MS_ClipArt_Gallery.2">
                       <p:embed/>
                     </p:oleObj>
                   </mc:Choice>
@@ -25848,7 +27421,7 @@
           <a:lstStyle/>
           <a:p>
             <a:r>
-              <a:rPr lang="en-CA" sz="4000" b="1" dirty="0">
+              <a:rPr lang="en-CA" sz="4000" b="1">
                 <a:solidFill>
                   <a:srgbClr val="990000"/>
                 </a:solidFill>
@@ -25890,7 +27463,7 @@
               <a:buChar char="•"/>
             </a:pPr>
             <a:r>
-              <a:rPr lang="en-US" altLang="en-US" b="1" dirty="0">
+              <a:rPr lang="en-US" altLang="en-US" b="1">
                 <a:solidFill>
                   <a:srgbClr val="990000"/>
                 </a:solidFill>
@@ -25904,7 +27477,7 @@
               <a:buChar char="•"/>
             </a:pPr>
             <a:r>
-              <a:rPr lang="en-US" altLang="en-US" b="1" dirty="0">
+              <a:rPr lang="en-US" altLang="en-US" b="1">
                 <a:solidFill>
                   <a:srgbClr val="990000"/>
                 </a:solidFill>
@@ -25918,7 +27491,7 @@
               <a:buChar char="•"/>
             </a:pPr>
             <a:r>
-              <a:rPr lang="en-US" altLang="en-US" b="1" dirty="0">
+              <a:rPr lang="en-US" altLang="en-US" b="1">
                 <a:solidFill>
                   <a:srgbClr val="990000"/>
                 </a:solidFill>
@@ -25932,7 +27505,7 @@
               <a:buChar char="•"/>
             </a:pPr>
             <a:r>
-              <a:rPr lang="en-US" altLang="en-US" b="1" dirty="0">
+              <a:rPr lang="en-US" altLang="en-US" b="1">
                 <a:solidFill>
                   <a:srgbClr val="990000"/>
                 </a:solidFill>
@@ -25946,7 +27519,7 @@
               <a:buChar char="•"/>
             </a:pPr>
             <a:r>
-              <a:rPr lang="en-US" altLang="en-US" b="1" dirty="0">
+              <a:rPr lang="en-US" altLang="en-US" b="1">
                 <a:solidFill>
                   <a:srgbClr val="990000"/>
                 </a:solidFill>
@@ -25960,7 +27533,7 @@
               <a:buChar char="•"/>
             </a:pPr>
             <a:r>
-              <a:rPr lang="en-US" altLang="en-US" b="1" dirty="0">
+              <a:rPr lang="en-US" altLang="en-US" b="1">
                 <a:solidFill>
                   <a:srgbClr val="990000"/>
                 </a:solidFill>
@@ -25974,7 +27547,7 @@
               <a:buChar char="•"/>
             </a:pPr>
             <a:r>
-              <a:rPr lang="en-US" altLang="en-US" b="1" dirty="0">
+              <a:rPr lang="en-US" altLang="en-US" b="1">
                 <a:solidFill>
                   <a:srgbClr val="990000"/>
                 </a:solidFill>
@@ -25988,7 +27561,7 @@
               <a:buChar char="•"/>
             </a:pPr>
             <a:r>
-              <a:rPr lang="en-US" altLang="en-US" b="1" dirty="0">
+              <a:rPr lang="en-US" altLang="en-US" b="1">
                 <a:solidFill>
                   <a:srgbClr val="990000"/>
                 </a:solidFill>
@@ -26002,7 +27575,7 @@
               <a:buChar char="•"/>
             </a:pPr>
             <a:r>
-              <a:rPr lang="en-US" altLang="en-US" b="1" dirty="0">
+              <a:rPr lang="en-US" altLang="en-US" b="1">
                 <a:solidFill>
                   <a:srgbClr val="990000"/>
                 </a:solidFill>
@@ -26012,7 +27585,7 @@
           </a:p>
           <a:p>
             <a:pPr eaLnBrk="0" hangingPunct="0"/>
-            <a:endParaRPr lang="en-CA" sz="1400" dirty="0"/>
+            <a:endParaRPr lang="en-CA" sz="1400"/>
           </a:p>
         </p:txBody>
       </p:sp>
@@ -26100,7 +27673,7 @@
           <a:lstStyle/>
           <a:p>
             <a:r>
-              <a:rPr lang="en-CA" sz="4000" b="1" dirty="0">
+              <a:rPr lang="en-CA" sz="4000" b="1">
                 <a:solidFill>
                   <a:srgbClr val="990000"/>
                 </a:solidFill>
@@ -26142,7 +27715,7 @@
               <a:buChar char="•"/>
             </a:pPr>
             <a:r>
-              <a:rPr lang="en-US" altLang="en-US" b="1" dirty="0">
+              <a:rPr lang="en-US" altLang="en-US" b="1">
                 <a:solidFill>
                   <a:srgbClr val="990000"/>
                 </a:solidFill>
@@ -26156,7 +27729,7 @@
               <a:buChar char="•"/>
             </a:pPr>
             <a:r>
-              <a:rPr lang="en-US" altLang="en-US" b="1" dirty="0">
+              <a:rPr lang="en-US" altLang="en-US" b="1">
                 <a:solidFill>
                   <a:srgbClr val="990000"/>
                 </a:solidFill>
@@ -26170,7 +27743,7 @@
               <a:buChar char="•"/>
             </a:pPr>
             <a:r>
-              <a:rPr lang="en-US" altLang="en-US" b="1" dirty="0">
+              <a:rPr lang="en-US" altLang="en-US" b="1">
                 <a:solidFill>
                   <a:srgbClr val="990000"/>
                 </a:solidFill>
@@ -26178,11 +27751,11 @@
               <a:t>“Pa”	=	</a:t>
             </a:r>
             <a:r>
-              <a:rPr lang="en-US" altLang="en-US" dirty="0"/>
+              <a:rPr lang="en-US" altLang="en-US"/>
               <a:t>“</a:t>
             </a:r>
             <a:r>
-              <a:rPr lang="en-CA" dirty="0"/>
+              <a:rPr lang="en-CA"/>
               <a:t>0101 0000 0110 0001”	=&gt;	20,577</a:t>
             </a:r>
           </a:p>
@@ -26192,7 +27765,7 @@
               <a:buChar char="•"/>
             </a:pPr>
             <a:r>
-              <a:rPr lang="en-CA" b="1" dirty="0">
+              <a:rPr lang="en-CA" b="1">
                 <a:solidFill>
                   <a:srgbClr val="990000"/>
                 </a:solidFill>
@@ -26200,7 +27773,7 @@
               <a:t>“ss”	= 	</a:t>
             </a:r>
             <a:r>
-              <a:rPr lang="en-CA" dirty="0"/>
+              <a:rPr lang="en-CA"/>
               <a:t>“0111 0011 0111 0011”	=&gt;	29,555</a:t>
             </a:r>
           </a:p>
@@ -26210,7 +27783,7 @@
               <a:buChar char="•"/>
             </a:pPr>
             <a:r>
-              <a:rPr lang="en-CA" b="1" dirty="0">
+              <a:rPr lang="en-CA" b="1">
                 <a:solidFill>
                   <a:srgbClr val="990000"/>
                 </a:solidFill>
@@ -26218,7 +27791,7 @@
               <a:t>“wo”	=</a:t>
             </a:r>
             <a:r>
-              <a:rPr lang="en-CA" dirty="0"/>
+              <a:rPr lang="en-CA"/>
               <a:t>	“0111 0111 0110 1111”	=&gt; 	30,575</a:t>
             </a:r>
           </a:p>
@@ -26228,7 +27801,7 @@
               <a:buChar char="•"/>
             </a:pPr>
             <a:r>
-              <a:rPr lang="en-CA" b="1" dirty="0">
+              <a:rPr lang="en-CA" b="1">
                 <a:solidFill>
                   <a:srgbClr val="990000"/>
                 </a:solidFill>
@@ -26236,7 +27809,7 @@
               <a:t>“</a:t>
             </a:r>
             <a:r>
-              <a:rPr lang="en-CA" b="1" dirty="0" err="1">
+              <a:rPr lang="en-CA" b="1" err="1">
                 <a:solidFill>
                   <a:srgbClr val="990000"/>
                 </a:solidFill>
@@ -26244,7 +27817,7 @@
               <a:t>rd</a:t>
             </a:r>
             <a:r>
-              <a:rPr lang="en-CA" b="1" dirty="0">
+              <a:rPr lang="en-CA" b="1">
                 <a:solidFill>
                   <a:srgbClr val="990000"/>
                 </a:solidFill>
@@ -26252,7 +27825,7 @@
               <a:t>”	=</a:t>
             </a:r>
             <a:r>
-              <a:rPr lang="en-CA" dirty="0"/>
+              <a:rPr lang="en-CA"/>
               <a:t>	“0111 0010 0110 0100”	=&gt;	29,284	</a:t>
             </a:r>
           </a:p>
@@ -26261,56 +27834,56 @@
               <a:buFont typeface="Arial" panose="020B0604020202020204" pitchFamily="34" charset="0"/>
               <a:buChar char="•"/>
             </a:pPr>
-            <a:endParaRPr lang="en-CA" dirty="0"/>
+            <a:endParaRPr lang="en-CA"/>
           </a:p>
           <a:p>
             <a:pPr marL="742950" lvl="1" indent="-285750" eaLnBrk="0" hangingPunct="0">
               <a:buFont typeface="Arial" panose="020B0604020202020204" pitchFamily="34" charset="0"/>
               <a:buChar char="•"/>
             </a:pPr>
-            <a:endParaRPr lang="en-CA" dirty="0"/>
+            <a:endParaRPr lang="en-CA"/>
           </a:p>
           <a:p>
             <a:pPr marL="742950" lvl="1" indent="-285750" eaLnBrk="0" hangingPunct="0">
               <a:buFont typeface="Arial" panose="020B0604020202020204" pitchFamily="34" charset="0"/>
               <a:buChar char="•"/>
             </a:pPr>
-            <a:endParaRPr lang="en-CA" dirty="0"/>
+            <a:endParaRPr lang="en-CA"/>
           </a:p>
           <a:p>
             <a:pPr marL="742950" lvl="1" indent="-285750" eaLnBrk="0" hangingPunct="0">
               <a:buFont typeface="Arial" panose="020B0604020202020204" pitchFamily="34" charset="0"/>
               <a:buChar char="•"/>
             </a:pPr>
-            <a:endParaRPr lang="en-CA" dirty="0"/>
+            <a:endParaRPr lang="en-CA"/>
           </a:p>
           <a:p>
             <a:pPr marL="742950" lvl="1" indent="-285750" eaLnBrk="0" hangingPunct="0">
               <a:buFont typeface="Arial" panose="020B0604020202020204" pitchFamily="34" charset="0"/>
               <a:buChar char="•"/>
             </a:pPr>
-            <a:endParaRPr lang="en-CA" dirty="0"/>
+            <a:endParaRPr lang="en-CA"/>
           </a:p>
           <a:p>
             <a:pPr marL="742950" lvl="1" indent="-285750" eaLnBrk="0" hangingPunct="0">
               <a:buFont typeface="Arial" panose="020B0604020202020204" pitchFamily="34" charset="0"/>
               <a:buChar char="•"/>
             </a:pPr>
-            <a:endParaRPr lang="en-CA" dirty="0"/>
+            <a:endParaRPr lang="en-CA"/>
           </a:p>
           <a:p>
             <a:pPr marL="742950" lvl="1" indent="-285750" eaLnBrk="0" hangingPunct="0">
               <a:buFont typeface="Arial" panose="020B0604020202020204" pitchFamily="34" charset="0"/>
               <a:buChar char="•"/>
             </a:pPr>
-            <a:endParaRPr lang="en-CA" dirty="0"/>
+            <a:endParaRPr lang="en-CA"/>
           </a:p>
           <a:p>
             <a:pPr marL="742950" lvl="1" indent="-285750" eaLnBrk="0" hangingPunct="0">
               <a:buFont typeface="Arial" panose="020B0604020202020204" pitchFamily="34" charset="0"/>
               <a:buChar char="•"/>
             </a:pPr>
-            <a:endParaRPr lang="en-US" altLang="en-US" b="1" dirty="0">
+            <a:endParaRPr lang="en-US" altLang="en-US" b="1">
               <a:solidFill>
                 <a:srgbClr val="990000"/>
               </a:solidFill>
@@ -26321,7 +27894,7 @@
               <a:buFont typeface="Arial" panose="020B0604020202020204" pitchFamily="34" charset="0"/>
               <a:buChar char="•"/>
             </a:pPr>
-            <a:endParaRPr lang="en-US" altLang="en-US" b="1" dirty="0">
+            <a:endParaRPr lang="en-US" altLang="en-US" b="1">
               <a:solidFill>
                 <a:srgbClr val="990000"/>
               </a:solidFill>
@@ -26329,7 +27902,7 @@
           </a:p>
           <a:p>
             <a:pPr eaLnBrk="0" hangingPunct="0"/>
-            <a:endParaRPr lang="en-CA" sz="1400" dirty="0"/>
+            <a:endParaRPr lang="en-CA" sz="1400"/>
           </a:p>
         </p:txBody>
       </p:sp>
@@ -26429,7 +28002,7 @@
                     <a:p>
                       <a:pPr algn="ctr"/>
                       <a:r>
-                        <a:rPr lang="en-CA" dirty="0"/>
+                        <a:rPr lang="en-CA"/>
                         <a:t>P</a:t>
                       </a:r>
                     </a:p>
@@ -26443,7 +28016,7 @@
                     <a:p>
                       <a:pPr algn="ctr"/>
                       <a:r>
-                        <a:rPr lang="en-CA" dirty="0"/>
+                        <a:rPr lang="en-CA"/>
                         <a:t>a</a:t>
                       </a:r>
                     </a:p>
@@ -26457,7 +28030,7 @@
                     <a:p>
                       <a:pPr algn="ctr"/>
                       <a:r>
-                        <a:rPr lang="en-CA" dirty="0"/>
+                        <a:rPr lang="en-CA"/>
                         <a:t>s</a:t>
                       </a:r>
                     </a:p>
@@ -26471,7 +28044,7 @@
                     <a:p>
                       <a:pPr algn="ctr"/>
                       <a:r>
-                        <a:rPr lang="en-CA" dirty="0"/>
+                        <a:rPr lang="en-CA"/>
                         <a:t>s</a:t>
                       </a:r>
                     </a:p>
@@ -26485,7 +28058,7 @@
                     <a:p>
                       <a:pPr algn="ctr"/>
                       <a:r>
-                        <a:rPr lang="en-CA" dirty="0"/>
+                        <a:rPr lang="en-CA"/>
                         <a:t>w</a:t>
                       </a:r>
                     </a:p>
@@ -26499,7 +28072,7 @@
                     <a:p>
                       <a:pPr algn="ctr"/>
                       <a:r>
-                        <a:rPr lang="en-CA" dirty="0"/>
+                        <a:rPr lang="en-CA"/>
                         <a:t>o</a:t>
                       </a:r>
                     </a:p>
@@ -26513,7 +28086,7 @@
                     <a:p>
                       <a:pPr algn="ctr"/>
                       <a:r>
-                        <a:rPr lang="en-CA" dirty="0"/>
+                        <a:rPr lang="en-CA"/>
                         <a:t>r</a:t>
                       </a:r>
                     </a:p>
@@ -26527,7 +28100,7 @@
                     <a:p>
                       <a:pPr algn="ctr"/>
                       <a:r>
-                        <a:rPr lang="en-CA" dirty="0"/>
+                        <a:rPr lang="en-CA"/>
                         <a:t>d</a:t>
                       </a:r>
                     </a:p>
@@ -26548,7 +28121,7 @@
                     <a:p>
                       <a:pPr algn="ctr"/>
                       <a:r>
-                        <a:rPr lang="en-CA" dirty="0"/>
+                        <a:rPr lang="en-CA"/>
                         <a:t>80</a:t>
                       </a:r>
                     </a:p>
@@ -26562,7 +28135,7 @@
                     <a:p>
                       <a:pPr algn="ctr"/>
                       <a:r>
-                        <a:rPr lang="en-CA" dirty="0"/>
+                        <a:rPr lang="en-CA"/>
                         <a:t>97</a:t>
                       </a:r>
                     </a:p>
@@ -26576,7 +28149,7 @@
                     <a:p>
                       <a:pPr algn="ctr"/>
                       <a:r>
-                        <a:rPr lang="en-CA" dirty="0"/>
+                        <a:rPr lang="en-CA"/>
                         <a:t>115</a:t>
                       </a:r>
                     </a:p>
@@ -26590,7 +28163,7 @@
                     <a:p>
                       <a:pPr algn="ctr"/>
                       <a:r>
-                        <a:rPr lang="en-CA" dirty="0"/>
+                        <a:rPr lang="en-CA"/>
                         <a:t>115</a:t>
                       </a:r>
                     </a:p>
@@ -26604,7 +28177,7 @@
                     <a:p>
                       <a:pPr algn="ctr"/>
                       <a:r>
-                        <a:rPr lang="en-CA" dirty="0"/>
+                        <a:rPr lang="en-CA"/>
                         <a:t>119</a:t>
                       </a:r>
                     </a:p>
@@ -26618,7 +28191,7 @@
                     <a:p>
                       <a:pPr algn="ctr"/>
                       <a:r>
-                        <a:rPr lang="en-CA" dirty="0"/>
+                        <a:rPr lang="en-CA"/>
                         <a:t>111</a:t>
                       </a:r>
                     </a:p>
@@ -26632,7 +28205,7 @@
                     <a:p>
                       <a:pPr algn="ctr"/>
                       <a:r>
-                        <a:rPr lang="en-CA" dirty="0"/>
+                        <a:rPr lang="en-CA"/>
                         <a:t>114</a:t>
                       </a:r>
                     </a:p>
@@ -26646,7 +28219,7 @@
                     <a:p>
                       <a:pPr algn="ctr"/>
                       <a:r>
-                        <a:rPr lang="en-CA" dirty="0"/>
+                        <a:rPr lang="en-CA"/>
                         <a:t>100</a:t>
                       </a:r>
                     </a:p>
@@ -26667,7 +28240,7 @@
                     <a:p>
                       <a:pPr algn="ctr"/>
                       <a:r>
-                        <a:rPr lang="en-CA" dirty="0"/>
+                        <a:rPr lang="en-CA"/>
                         <a:t>0101 0000</a:t>
                       </a:r>
                     </a:p>
@@ -26681,7 +28254,7 @@
                     <a:p>
                       <a:pPr algn="ctr"/>
                       <a:r>
-                        <a:rPr lang="en-CA" dirty="0"/>
+                        <a:rPr lang="en-CA"/>
                         <a:t>0110 0001</a:t>
                       </a:r>
                     </a:p>
@@ -26695,7 +28268,7 @@
                     <a:p>
                       <a:pPr algn="ctr"/>
                       <a:r>
-                        <a:rPr lang="en-CA" dirty="0"/>
+                        <a:rPr lang="en-CA"/>
                         <a:t>0111 0011</a:t>
                       </a:r>
                     </a:p>
@@ -26725,7 +28298,7 @@
                         <a:defRPr/>
                       </a:pPr>
                       <a:r>
-                        <a:rPr lang="en-CA" dirty="0"/>
+                        <a:rPr lang="en-CA"/>
                         <a:t>0111 0011</a:t>
                       </a:r>
                     </a:p>
@@ -26739,7 +28312,7 @@
                     <a:p>
                       <a:pPr algn="ctr"/>
                       <a:r>
-                        <a:rPr lang="en-CA" dirty="0"/>
+                        <a:rPr lang="en-CA"/>
                         <a:t>0111 0111</a:t>
                       </a:r>
                     </a:p>
@@ -26753,7 +28326,7 @@
                     <a:p>
                       <a:pPr algn="ctr"/>
                       <a:r>
-                        <a:rPr lang="en-CA" dirty="0"/>
+                        <a:rPr lang="en-CA"/>
                         <a:t>0110 1111</a:t>
                       </a:r>
                     </a:p>
@@ -26767,7 +28340,7 @@
                     <a:p>
                       <a:pPr algn="ctr"/>
                       <a:r>
-                        <a:rPr lang="en-CA" dirty="0"/>
+                        <a:rPr lang="en-CA"/>
                         <a:t>0111 0010</a:t>
                       </a:r>
                     </a:p>
@@ -26781,7 +28354,7 @@
                     <a:p>
                       <a:pPr algn="ctr"/>
                       <a:r>
-                        <a:rPr lang="en-CA" dirty="0"/>
+                        <a:rPr lang="en-CA"/>
                         <a:t>0110 0100</a:t>
                       </a:r>
                     </a:p>
@@ -27785,7 +29358,7 @@
               </a:spcAft>
             </a:pPr>
             <a:r>
-              <a:rPr lang="en-US" sz="4000" b="1" dirty="0">
+              <a:rPr lang="en-US" sz="4000" b="1">
                 <a:solidFill>
                   <a:srgbClr val="990000"/>
                 </a:solidFill>
@@ -27887,7 +29460,7 @@
               <a:buChar char="•"/>
             </a:pPr>
             <a:r>
-              <a:rPr lang="en-US" altLang="en-US" sz="2000" b="1" dirty="0">
+              <a:rPr lang="en-US" altLang="en-US" sz="2000" b="1">
                 <a:solidFill>
                   <a:srgbClr val="990000"/>
                 </a:solidFill>
@@ -27901,7 +29474,7 @@
               <a:buChar char="•"/>
             </a:pPr>
             <a:r>
-              <a:rPr lang="en-US" altLang="en-US" sz="2000" b="1" dirty="0">
+              <a:rPr lang="en-US" altLang="en-US" sz="2000" b="1">
                 <a:solidFill>
                   <a:srgbClr val="990000"/>
                 </a:solidFill>
@@ -27915,7 +29488,7 @@
               <a:buChar char="•"/>
             </a:pPr>
             <a:r>
-              <a:rPr lang="en-US" altLang="en-US" sz="2000" b="1" dirty="0">
+              <a:rPr lang="en-US" altLang="en-US" sz="2000" b="1">
                 <a:solidFill>
                   <a:srgbClr val="990000"/>
                 </a:solidFill>
@@ -27929,7 +29502,7 @@
               <a:buChar char="•"/>
             </a:pPr>
             <a:r>
-              <a:rPr lang="en-US" altLang="en-US" sz="2000" b="1" dirty="0">
+              <a:rPr lang="en-US" altLang="en-US" sz="2000" b="1">
                 <a:solidFill>
                   <a:srgbClr val="990000"/>
                 </a:solidFill>
@@ -27937,7 +29510,7 @@
               <a:t>Linux </a:t>
             </a:r>
             <a:r>
-              <a:rPr lang="en-CA" sz="2000" b="1" dirty="0">
+              <a:rPr lang="en-CA" sz="2000" b="1">
                 <a:solidFill>
                   <a:srgbClr val="990000"/>
                 </a:solidFill>
@@ -27951,7 +29524,7 @@
               <a:buChar char="•"/>
             </a:pPr>
             <a:r>
-              <a:rPr lang="en-CA" altLang="en-US" sz="2000" b="1" dirty="0">
+              <a:rPr lang="en-CA" altLang="en-US" sz="2000" b="1">
                 <a:solidFill>
                   <a:srgbClr val="990000"/>
                 </a:solidFill>
@@ -27965,14 +29538,14 @@
               <a:buChar char="•"/>
             </a:pPr>
             <a:r>
-              <a:rPr lang="en-CA" altLang="en-US" sz="2000" b="1" dirty="0">
+              <a:rPr lang="en-CA" altLang="en-US" sz="2000" b="1">
                 <a:solidFill>
                   <a:srgbClr val="990000"/>
                 </a:solidFill>
               </a:rPr>
               <a:t>Etc.</a:t>
             </a:r>
-            <a:endParaRPr lang="en-US" altLang="en-US" sz="2000" b="1" dirty="0">
+            <a:endParaRPr lang="en-US" altLang="en-US" sz="2000" b="1">
               <a:solidFill>
                 <a:srgbClr val="990000"/>
               </a:solidFill>
@@ -27984,7 +29557,7 @@
               <a:buChar char="•"/>
             </a:pPr>
             <a:r>
-              <a:rPr lang="en-US" altLang="en-US" sz="2000" b="1" dirty="0">
+              <a:rPr lang="en-US" altLang="en-US" sz="2000" b="1">
                 <a:solidFill>
                   <a:srgbClr val="990000"/>
                 </a:solidFill>
@@ -27998,7 +29571,7 @@
               <a:buChar char="•"/>
             </a:pPr>
             <a:r>
-              <a:rPr lang="en-US" altLang="en-US" sz="2000" b="1" dirty="0">
+              <a:rPr lang="en-US" altLang="en-US" sz="2000" b="1">
                 <a:solidFill>
                   <a:srgbClr val="990000"/>
                 </a:solidFill>
@@ -28012,7 +29585,7 @@
               <a:buChar char="•"/>
             </a:pPr>
             <a:r>
-              <a:rPr lang="en-US" altLang="en-US" sz="2000" b="1" dirty="0">
+              <a:rPr lang="en-US" altLang="en-US" sz="2000" b="1">
                 <a:solidFill>
                   <a:srgbClr val="990000"/>
                 </a:solidFill>
@@ -28026,7 +29599,7 @@
               <a:buChar char="•"/>
             </a:pPr>
             <a:r>
-              <a:rPr lang="en-US" altLang="en-US" sz="2000" b="1" dirty="0">
+              <a:rPr lang="en-US" altLang="en-US" sz="2000" b="1">
                 <a:solidFill>
                   <a:srgbClr val="990000"/>
                 </a:solidFill>
@@ -28040,7 +29613,7 @@
               <a:buChar char="•"/>
             </a:pPr>
             <a:r>
-              <a:rPr lang="en-US" altLang="en-US" sz="2000" b="1" dirty="0">
+              <a:rPr lang="en-US" altLang="en-US" sz="2000" b="1">
                 <a:solidFill>
                   <a:srgbClr val="990000"/>
                 </a:solidFill>
@@ -28054,7 +29627,7 @@
               <a:buChar char="•"/>
             </a:pPr>
             <a:r>
-              <a:rPr lang="en-US" altLang="en-US" sz="2000" b="1" dirty="0">
+              <a:rPr lang="en-US" altLang="en-US" sz="2000" b="1">
                 <a:solidFill>
                   <a:srgbClr val="990000"/>
                 </a:solidFill>
@@ -28068,7 +29641,7 @@
               <a:buChar char="•"/>
             </a:pPr>
             <a:r>
-              <a:rPr lang="en-US" altLang="en-US" sz="2000" b="1" dirty="0">
+              <a:rPr lang="en-US" altLang="en-US" sz="2000" b="1">
                 <a:solidFill>
                   <a:srgbClr val="990000"/>
                 </a:solidFill>
@@ -28082,7 +29655,7 @@
               <a:buChar char="•"/>
             </a:pPr>
             <a:r>
-              <a:rPr lang="en-US" altLang="en-US" sz="2000" b="1" dirty="0">
+              <a:rPr lang="en-US" altLang="en-US" sz="2000" b="1">
                 <a:solidFill>
                   <a:srgbClr val="990000"/>
                 </a:solidFill>
@@ -28179,36 +29752,36 @@
           <a:lstStyle/>
           <a:p>
             <a:r>
-              <a:rPr lang="en-CA" dirty="0"/>
+              <a:rPr lang="en-CA"/>
               <a:t>Devices that changes the source port:</a:t>
             </a:r>
           </a:p>
           <a:p>
             <a:pPr lvl="1"/>
             <a:r>
-              <a:rPr lang="en-CA" dirty="0"/>
+              <a:rPr lang="en-CA"/>
               <a:t>Perimeter Firewall </a:t>
             </a:r>
             <a:r>
-              <a:rPr lang="en-CA" dirty="0">
+              <a:rPr lang="en-CA">
                 <a:sym typeface="Wingdings" panose="05000000000000000000" pitchFamily="2" charset="2"/>
               </a:rPr>
               <a:t> </a:t>
             </a:r>
             <a:r>
-              <a:rPr lang="en-CA" dirty="0" err="1">
+              <a:rPr lang="en-CA" err="1">
                 <a:sym typeface="Wingdings" panose="05000000000000000000" pitchFamily="2" charset="2"/>
               </a:rPr>
               <a:t>NATing</a:t>
             </a:r>
-            <a:endParaRPr lang="en-CA" dirty="0">
+            <a:endParaRPr lang="en-CA">
               <a:sym typeface="Wingdings" panose="05000000000000000000" pitchFamily="2" charset="2"/>
             </a:endParaRPr>
           </a:p>
           <a:p>
             <a:pPr lvl="1"/>
             <a:r>
-              <a:rPr lang="en-CA" dirty="0">
+              <a:rPr lang="en-CA">
                 <a:sym typeface="Wingdings" panose="05000000000000000000" pitchFamily="2" charset="2"/>
               </a:rPr>
               <a:t>Proxy Server </a:t>
@@ -28216,12 +29789,12 @@
           </a:p>
           <a:p>
             <a:r>
-              <a:rPr lang="en-CA" dirty="0">
+              <a:rPr lang="en-CA">
                 <a:sym typeface="Wingdings" panose="05000000000000000000" pitchFamily="2" charset="2"/>
               </a:rPr>
               <a:t>Works when no NAT or Static NAT</a:t>
             </a:r>
-            <a:endParaRPr lang="en-CA" dirty="0"/>
+            <a:endParaRPr lang="en-CA"/>
           </a:p>
         </p:txBody>
       </p:sp>
@@ -28254,7 +29827,7 @@
           <a:lstStyle/>
           <a:p>
             <a:r>
-              <a:rPr lang="en-CA" sz="4000" b="1" dirty="0">
+              <a:rPr lang="en-CA" sz="4000" b="1">
                 <a:solidFill>
                   <a:srgbClr val="990000"/>
                 </a:solidFill>
@@ -28348,34 +29921,34 @@
           <a:lstStyle/>
           <a:p>
             <a:r>
-              <a:rPr lang="en-CA" dirty="0"/>
+              <a:rPr lang="en-CA"/>
               <a:t>Main characteristics of the traffic flow:</a:t>
             </a:r>
           </a:p>
           <a:p>
             <a:pPr lvl="1"/>
             <a:r>
-              <a:rPr lang="en-CA" dirty="0"/>
+              <a:rPr lang="en-CA"/>
               <a:t>Same source &amp; Destination Ips</a:t>
             </a:r>
           </a:p>
           <a:p>
             <a:pPr lvl="1"/>
             <a:r>
-              <a:rPr lang="en-CA" dirty="0"/>
+              <a:rPr lang="en-CA"/>
               <a:t>TCP source port is changing</a:t>
             </a:r>
           </a:p>
           <a:p>
             <a:r>
-              <a:rPr lang="en-CA" dirty="0"/>
+              <a:rPr lang="en-CA"/>
               <a:t>Stealth mode:</a:t>
             </a:r>
           </a:p>
           <a:p>
             <a:pPr lvl="1"/>
             <a:r>
-              <a:rPr lang="en-CA" dirty="0"/>
+              <a:rPr lang="en-CA"/>
               <a:t>Has to detect many false positives as well</a:t>
             </a:r>
           </a:p>
@@ -28383,11 +29956,11 @@
             <a:pPr marL="457200" lvl="1" indent="0">
               <a:buNone/>
             </a:pPr>
-            <a:endParaRPr lang="en-CA" dirty="0"/>
+            <a:endParaRPr lang="en-CA"/>
           </a:p>
           <a:p>
             <a:pPr lvl="1"/>
-            <a:endParaRPr lang="en-CA" dirty="0"/>
+            <a:endParaRPr lang="en-CA"/>
           </a:p>
         </p:txBody>
       </p:sp>
@@ -28420,7 +29993,7 @@
           <a:lstStyle/>
           <a:p>
             <a:r>
-              <a:rPr lang="en-CA" sz="4000" b="1" dirty="0">
+              <a:rPr lang="en-CA" sz="4000" b="1">
                 <a:solidFill>
                   <a:srgbClr val="990000"/>
                 </a:solidFill>
